--- a/journalWallFriction/pictures/pdf/anypolygon3.pptx
+++ b/journalWallFriction/pictures/pdf/anypolygon3.pptx
@@ -154,7 +154,7 @@
           </a:lstStyle>
           <a:p>
             <a:r>
-              <a:rPr lang="en-US" smtClean="0"/>
+              <a:rPr lang="en-US"/>
               <a:t>Click to edit Master title style</a:t>
             </a:r>
             <a:endParaRPr lang="en-US" dirty="0"/>
@@ -219,7 +219,7 @@
           </a:lstStyle>
           <a:p>
             <a:r>
-              <a:rPr lang="en-US" smtClean="0"/>
+              <a:rPr lang="en-US"/>
               <a:t>Click to edit Master subtitle style</a:t>
             </a:r>
             <a:endParaRPr lang="en-US" dirty="0"/>
@@ -243,7 +243,7 @@
           <a:p>
             <a:fld id="{B3D1CF3D-C589-634F-8074-9A077527675E}" type="datetimeFigureOut">
               <a:rPr lang="en-US" smtClean="0"/>
-              <a:t>1/15/18</a:t>
+              <a:t>4/24/18</a:t>
             </a:fld>
             <a:endParaRPr lang="en-US"/>
           </a:p>
@@ -332,7 +332,7 @@
           <a:lstStyle/>
           <a:p>
             <a:r>
-              <a:rPr lang="en-US" smtClean="0"/>
+              <a:rPr lang="en-US"/>
               <a:t>Click to edit Master title style</a:t>
             </a:r>
             <a:endParaRPr lang="en-US" dirty="0"/>
@@ -356,35 +356,35 @@
           <a:p>
             <a:pPr lvl="0"/>
             <a:r>
-              <a:rPr lang="en-US" smtClean="0"/>
+              <a:rPr lang="en-US"/>
               <a:t>Click to edit Master text styles</a:t>
             </a:r>
           </a:p>
           <a:p>
             <a:pPr lvl="1"/>
             <a:r>
-              <a:rPr lang="en-US" smtClean="0"/>
+              <a:rPr lang="en-US"/>
               <a:t>Second level</a:t>
             </a:r>
           </a:p>
           <a:p>
             <a:pPr lvl="2"/>
             <a:r>
-              <a:rPr lang="en-US" smtClean="0"/>
+              <a:rPr lang="en-US"/>
               <a:t>Third level</a:t>
             </a:r>
           </a:p>
           <a:p>
             <a:pPr lvl="3"/>
             <a:r>
-              <a:rPr lang="en-US" smtClean="0"/>
+              <a:rPr lang="en-US"/>
               <a:t>Fourth level</a:t>
             </a:r>
           </a:p>
           <a:p>
             <a:pPr lvl="4"/>
             <a:r>
-              <a:rPr lang="en-US" smtClean="0"/>
+              <a:rPr lang="en-US"/>
               <a:t>Fifth level</a:t>
             </a:r>
             <a:endParaRPr lang="en-US" dirty="0"/>
@@ -408,7 +408,7 @@
           <a:p>
             <a:fld id="{B3D1CF3D-C589-634F-8074-9A077527675E}" type="datetimeFigureOut">
               <a:rPr lang="en-US" smtClean="0"/>
-              <a:t>1/15/18</a:t>
+              <a:t>4/24/18</a:t>
             </a:fld>
             <a:endParaRPr lang="en-US"/>
           </a:p>
@@ -502,7 +502,7 @@
           <a:lstStyle/>
           <a:p>
             <a:r>
-              <a:rPr lang="en-US" smtClean="0"/>
+              <a:rPr lang="en-US"/>
               <a:t>Click to edit Master title style</a:t>
             </a:r>
             <a:endParaRPr lang="en-US" dirty="0"/>
@@ -531,35 +531,35 @@
           <a:p>
             <a:pPr lvl="0"/>
             <a:r>
-              <a:rPr lang="en-US" smtClean="0"/>
+              <a:rPr lang="en-US"/>
               <a:t>Click to edit Master text styles</a:t>
             </a:r>
           </a:p>
           <a:p>
             <a:pPr lvl="1"/>
             <a:r>
-              <a:rPr lang="en-US" smtClean="0"/>
+              <a:rPr lang="en-US"/>
               <a:t>Second level</a:t>
             </a:r>
           </a:p>
           <a:p>
             <a:pPr lvl="2"/>
             <a:r>
-              <a:rPr lang="en-US" smtClean="0"/>
+              <a:rPr lang="en-US"/>
               <a:t>Third level</a:t>
             </a:r>
           </a:p>
           <a:p>
             <a:pPr lvl="3"/>
             <a:r>
-              <a:rPr lang="en-US" smtClean="0"/>
+              <a:rPr lang="en-US"/>
               <a:t>Fourth level</a:t>
             </a:r>
           </a:p>
           <a:p>
             <a:pPr lvl="4"/>
             <a:r>
-              <a:rPr lang="en-US" smtClean="0"/>
+              <a:rPr lang="en-US"/>
               <a:t>Fifth level</a:t>
             </a:r>
             <a:endParaRPr lang="en-US" dirty="0"/>
@@ -583,7 +583,7 @@
           <a:p>
             <a:fld id="{B3D1CF3D-C589-634F-8074-9A077527675E}" type="datetimeFigureOut">
               <a:rPr lang="en-US" smtClean="0"/>
-              <a:t>1/15/18</a:t>
+              <a:t>4/24/18</a:t>
             </a:fld>
             <a:endParaRPr lang="en-US"/>
           </a:p>
@@ -672,7 +672,7 @@
           <a:lstStyle/>
           <a:p>
             <a:r>
-              <a:rPr lang="en-US" smtClean="0"/>
+              <a:rPr lang="en-US"/>
               <a:t>Click to edit Master title style</a:t>
             </a:r>
             <a:endParaRPr lang="en-US" dirty="0"/>
@@ -696,35 +696,35 @@
           <a:p>
             <a:pPr lvl="0"/>
             <a:r>
-              <a:rPr lang="en-US" smtClean="0"/>
+              <a:rPr lang="en-US"/>
               <a:t>Click to edit Master text styles</a:t>
             </a:r>
           </a:p>
           <a:p>
             <a:pPr lvl="1"/>
             <a:r>
-              <a:rPr lang="en-US" smtClean="0"/>
+              <a:rPr lang="en-US"/>
               <a:t>Second level</a:t>
             </a:r>
           </a:p>
           <a:p>
             <a:pPr lvl="2"/>
             <a:r>
-              <a:rPr lang="en-US" smtClean="0"/>
+              <a:rPr lang="en-US"/>
               <a:t>Third level</a:t>
             </a:r>
           </a:p>
           <a:p>
             <a:pPr lvl="3"/>
             <a:r>
-              <a:rPr lang="en-US" smtClean="0"/>
+              <a:rPr lang="en-US"/>
               <a:t>Fourth level</a:t>
             </a:r>
           </a:p>
           <a:p>
             <a:pPr lvl="4"/>
             <a:r>
-              <a:rPr lang="en-US" smtClean="0"/>
+              <a:rPr lang="en-US"/>
               <a:t>Fifth level</a:t>
             </a:r>
             <a:endParaRPr lang="en-US" dirty="0"/>
@@ -748,7 +748,7 @@
           <a:p>
             <a:fld id="{B3D1CF3D-C589-634F-8074-9A077527675E}" type="datetimeFigureOut">
               <a:rPr lang="en-US" smtClean="0"/>
-              <a:t>1/15/18</a:t>
+              <a:t>4/24/18</a:t>
             </a:fld>
             <a:endParaRPr lang="en-US"/>
           </a:p>
@@ -846,7 +846,7 @@
           </a:lstStyle>
           <a:p>
             <a:r>
-              <a:rPr lang="en-US" smtClean="0"/>
+              <a:rPr lang="en-US"/>
               <a:t>Click to edit Master title style</a:t>
             </a:r>
             <a:endParaRPr lang="en-US" dirty="0"/>
@@ -964,7 +964,7 @@
           <a:p>
             <a:pPr lvl="0"/>
             <a:r>
-              <a:rPr lang="en-US" smtClean="0"/>
+              <a:rPr lang="en-US"/>
               <a:t>Click to edit Master text styles</a:t>
             </a:r>
           </a:p>
@@ -987,7 +987,7 @@
           <a:p>
             <a:fld id="{B3D1CF3D-C589-634F-8074-9A077527675E}" type="datetimeFigureOut">
               <a:rPr lang="en-US" smtClean="0"/>
-              <a:t>1/15/18</a:t>
+              <a:t>4/24/18</a:t>
             </a:fld>
             <a:endParaRPr lang="en-US"/>
           </a:p>
@@ -1076,7 +1076,7 @@
           <a:lstStyle/>
           <a:p>
             <a:r>
-              <a:rPr lang="en-US" smtClean="0"/>
+              <a:rPr lang="en-US"/>
               <a:t>Click to edit Master title style</a:t>
             </a:r>
             <a:endParaRPr lang="en-US" dirty="0"/>
@@ -1105,35 +1105,35 @@
           <a:p>
             <a:pPr lvl="0"/>
             <a:r>
-              <a:rPr lang="en-US" smtClean="0"/>
+              <a:rPr lang="en-US"/>
               <a:t>Click to edit Master text styles</a:t>
             </a:r>
           </a:p>
           <a:p>
             <a:pPr lvl="1"/>
             <a:r>
-              <a:rPr lang="en-US" smtClean="0"/>
+              <a:rPr lang="en-US"/>
               <a:t>Second level</a:t>
             </a:r>
           </a:p>
           <a:p>
             <a:pPr lvl="2"/>
             <a:r>
-              <a:rPr lang="en-US" smtClean="0"/>
+              <a:rPr lang="en-US"/>
               <a:t>Third level</a:t>
             </a:r>
           </a:p>
           <a:p>
             <a:pPr lvl="3"/>
             <a:r>
-              <a:rPr lang="en-US" smtClean="0"/>
+              <a:rPr lang="en-US"/>
               <a:t>Fourth level</a:t>
             </a:r>
           </a:p>
           <a:p>
             <a:pPr lvl="4"/>
             <a:r>
-              <a:rPr lang="en-US" smtClean="0"/>
+              <a:rPr lang="en-US"/>
               <a:t>Fifth level</a:t>
             </a:r>
             <a:endParaRPr lang="en-US" dirty="0"/>
@@ -1162,35 +1162,35 @@
           <a:p>
             <a:pPr lvl="0"/>
             <a:r>
-              <a:rPr lang="en-US" smtClean="0"/>
+              <a:rPr lang="en-US"/>
               <a:t>Click to edit Master text styles</a:t>
             </a:r>
           </a:p>
           <a:p>
             <a:pPr lvl="1"/>
             <a:r>
-              <a:rPr lang="en-US" smtClean="0"/>
+              <a:rPr lang="en-US"/>
               <a:t>Second level</a:t>
             </a:r>
           </a:p>
           <a:p>
             <a:pPr lvl="2"/>
             <a:r>
-              <a:rPr lang="en-US" smtClean="0"/>
+              <a:rPr lang="en-US"/>
               <a:t>Third level</a:t>
             </a:r>
           </a:p>
           <a:p>
             <a:pPr lvl="3"/>
             <a:r>
-              <a:rPr lang="en-US" smtClean="0"/>
+              <a:rPr lang="en-US"/>
               <a:t>Fourth level</a:t>
             </a:r>
           </a:p>
           <a:p>
             <a:pPr lvl="4"/>
             <a:r>
-              <a:rPr lang="en-US" smtClean="0"/>
+              <a:rPr lang="en-US"/>
               <a:t>Fifth level</a:t>
             </a:r>
             <a:endParaRPr lang="en-US" dirty="0"/>
@@ -1214,7 +1214,7 @@
           <a:p>
             <a:fld id="{B3D1CF3D-C589-634F-8074-9A077527675E}" type="datetimeFigureOut">
               <a:rPr lang="en-US" smtClean="0"/>
-              <a:t>1/15/18</a:t>
+              <a:t>4/24/18</a:t>
             </a:fld>
             <a:endParaRPr lang="en-US"/>
           </a:p>
@@ -1308,7 +1308,7 @@
           <a:lstStyle/>
           <a:p>
             <a:r>
-              <a:rPr lang="en-US" smtClean="0"/>
+              <a:rPr lang="en-US"/>
               <a:t>Click to edit Master title style</a:t>
             </a:r>
             <a:endParaRPr lang="en-US" dirty="0"/>
@@ -1374,7 +1374,7 @@
           <a:p>
             <a:pPr lvl="0"/>
             <a:r>
-              <a:rPr lang="en-US" smtClean="0"/>
+              <a:rPr lang="en-US"/>
               <a:t>Click to edit Master text styles</a:t>
             </a:r>
           </a:p>
@@ -1402,35 +1402,35 @@
           <a:p>
             <a:pPr lvl="0"/>
             <a:r>
-              <a:rPr lang="en-US" smtClean="0"/>
+              <a:rPr lang="en-US"/>
               <a:t>Click to edit Master text styles</a:t>
             </a:r>
           </a:p>
           <a:p>
             <a:pPr lvl="1"/>
             <a:r>
-              <a:rPr lang="en-US" smtClean="0"/>
+              <a:rPr lang="en-US"/>
               <a:t>Second level</a:t>
             </a:r>
           </a:p>
           <a:p>
             <a:pPr lvl="2"/>
             <a:r>
-              <a:rPr lang="en-US" smtClean="0"/>
+              <a:rPr lang="en-US"/>
               <a:t>Third level</a:t>
             </a:r>
           </a:p>
           <a:p>
             <a:pPr lvl="3"/>
             <a:r>
-              <a:rPr lang="en-US" smtClean="0"/>
+              <a:rPr lang="en-US"/>
               <a:t>Fourth level</a:t>
             </a:r>
           </a:p>
           <a:p>
             <a:pPr lvl="4"/>
             <a:r>
-              <a:rPr lang="en-US" smtClean="0"/>
+              <a:rPr lang="en-US"/>
               <a:t>Fifth level</a:t>
             </a:r>
             <a:endParaRPr lang="en-US" dirty="0"/>
@@ -1496,7 +1496,7 @@
           <a:p>
             <a:pPr lvl="0"/>
             <a:r>
-              <a:rPr lang="en-US" smtClean="0"/>
+              <a:rPr lang="en-US"/>
               <a:t>Click to edit Master text styles</a:t>
             </a:r>
           </a:p>
@@ -1524,35 +1524,35 @@
           <a:p>
             <a:pPr lvl="0"/>
             <a:r>
-              <a:rPr lang="en-US" smtClean="0"/>
+              <a:rPr lang="en-US"/>
               <a:t>Click to edit Master text styles</a:t>
             </a:r>
           </a:p>
           <a:p>
             <a:pPr lvl="1"/>
             <a:r>
-              <a:rPr lang="en-US" smtClean="0"/>
+              <a:rPr lang="en-US"/>
               <a:t>Second level</a:t>
             </a:r>
           </a:p>
           <a:p>
             <a:pPr lvl="2"/>
             <a:r>
-              <a:rPr lang="en-US" smtClean="0"/>
+              <a:rPr lang="en-US"/>
               <a:t>Third level</a:t>
             </a:r>
           </a:p>
           <a:p>
             <a:pPr lvl="3"/>
             <a:r>
-              <a:rPr lang="en-US" smtClean="0"/>
+              <a:rPr lang="en-US"/>
               <a:t>Fourth level</a:t>
             </a:r>
           </a:p>
           <a:p>
             <a:pPr lvl="4"/>
             <a:r>
-              <a:rPr lang="en-US" smtClean="0"/>
+              <a:rPr lang="en-US"/>
               <a:t>Fifth level</a:t>
             </a:r>
             <a:endParaRPr lang="en-US" dirty="0"/>
@@ -1576,7 +1576,7 @@
           <a:p>
             <a:fld id="{B3D1CF3D-C589-634F-8074-9A077527675E}" type="datetimeFigureOut">
               <a:rPr lang="en-US" smtClean="0"/>
-              <a:t>1/15/18</a:t>
+              <a:t>4/24/18</a:t>
             </a:fld>
             <a:endParaRPr lang="en-US"/>
           </a:p>
@@ -1665,7 +1665,7 @@
           <a:lstStyle/>
           <a:p>
             <a:r>
-              <a:rPr lang="en-US" smtClean="0"/>
+              <a:rPr lang="en-US"/>
               <a:t>Click to edit Master title style</a:t>
             </a:r>
             <a:endParaRPr lang="en-US" dirty="0"/>
@@ -1689,7 +1689,7 @@
           <a:p>
             <a:fld id="{B3D1CF3D-C589-634F-8074-9A077527675E}" type="datetimeFigureOut">
               <a:rPr lang="en-US" smtClean="0"/>
-              <a:t>1/15/18</a:t>
+              <a:t>4/24/18</a:t>
             </a:fld>
             <a:endParaRPr lang="en-US"/>
           </a:p>
@@ -1779,7 +1779,7 @@
           <a:p>
             <a:fld id="{B3D1CF3D-C589-634F-8074-9A077527675E}" type="datetimeFigureOut">
               <a:rPr lang="en-US" smtClean="0"/>
-              <a:t>1/15/18</a:t>
+              <a:t>4/24/18</a:t>
             </a:fld>
             <a:endParaRPr lang="en-US"/>
           </a:p>
@@ -1877,7 +1877,7 @@
           </a:lstStyle>
           <a:p>
             <a:r>
-              <a:rPr lang="en-US" smtClean="0"/>
+              <a:rPr lang="en-US"/>
               <a:t>Click to edit Master title style</a:t>
             </a:r>
             <a:endParaRPr lang="en-US" dirty="0"/>
@@ -1934,35 +1934,35 @@
           <a:p>
             <a:pPr lvl="0"/>
             <a:r>
-              <a:rPr lang="en-US" smtClean="0"/>
+              <a:rPr lang="en-US"/>
               <a:t>Click to edit Master text styles</a:t>
             </a:r>
           </a:p>
           <a:p>
             <a:pPr lvl="1"/>
             <a:r>
-              <a:rPr lang="en-US" smtClean="0"/>
+              <a:rPr lang="en-US"/>
               <a:t>Second level</a:t>
             </a:r>
           </a:p>
           <a:p>
             <a:pPr lvl="2"/>
             <a:r>
-              <a:rPr lang="en-US" smtClean="0"/>
+              <a:rPr lang="en-US"/>
               <a:t>Third level</a:t>
             </a:r>
           </a:p>
           <a:p>
             <a:pPr lvl="3"/>
             <a:r>
-              <a:rPr lang="en-US" smtClean="0"/>
+              <a:rPr lang="en-US"/>
               <a:t>Fourth level</a:t>
             </a:r>
           </a:p>
           <a:p>
             <a:pPr lvl="4"/>
             <a:r>
-              <a:rPr lang="en-US" smtClean="0"/>
+              <a:rPr lang="en-US"/>
               <a:t>Fifth level</a:t>
             </a:r>
             <a:endParaRPr lang="en-US" dirty="0"/>
@@ -2028,7 +2028,7 @@
           <a:p>
             <a:pPr lvl="0"/>
             <a:r>
-              <a:rPr lang="en-US" smtClean="0"/>
+              <a:rPr lang="en-US"/>
               <a:t>Click to edit Master text styles</a:t>
             </a:r>
           </a:p>
@@ -2051,7 +2051,7 @@
           <a:p>
             <a:fld id="{B3D1CF3D-C589-634F-8074-9A077527675E}" type="datetimeFigureOut">
               <a:rPr lang="en-US" smtClean="0"/>
-              <a:t>1/15/18</a:t>
+              <a:t>4/24/18</a:t>
             </a:fld>
             <a:endParaRPr lang="en-US"/>
           </a:p>
@@ -2149,7 +2149,7 @@
           </a:lstStyle>
           <a:p>
             <a:r>
-              <a:rPr lang="en-US" smtClean="0"/>
+              <a:rPr lang="en-US"/>
               <a:t>Click to edit Master title style</a:t>
             </a:r>
             <a:endParaRPr lang="en-US" dirty="0"/>
@@ -2214,7 +2214,7 @@
           </a:lstStyle>
           <a:p>
             <a:r>
-              <a:rPr lang="en-US" smtClean="0"/>
+              <a:rPr lang="en-US"/>
               <a:t>Drag picture to placeholder or click icon to add</a:t>
             </a:r>
             <a:endParaRPr lang="en-US" dirty="0"/>
@@ -2280,7 +2280,7 @@
           <a:p>
             <a:pPr lvl="0"/>
             <a:r>
-              <a:rPr lang="en-US" smtClean="0"/>
+              <a:rPr lang="en-US"/>
               <a:t>Click to edit Master text styles</a:t>
             </a:r>
           </a:p>
@@ -2303,7 +2303,7 @@
           <a:p>
             <a:fld id="{B3D1CF3D-C589-634F-8074-9A077527675E}" type="datetimeFigureOut">
               <a:rPr lang="en-US" smtClean="0"/>
-              <a:t>1/15/18</a:t>
+              <a:t>4/24/18</a:t>
             </a:fld>
             <a:endParaRPr lang="en-US"/>
           </a:p>
@@ -2407,7 +2407,7 @@
           <a:lstStyle/>
           <a:p>
             <a:r>
-              <a:rPr lang="en-US" smtClean="0"/>
+              <a:rPr lang="en-US"/>
               <a:t>Click to edit Master title style</a:t>
             </a:r>
             <a:endParaRPr lang="en-US" dirty="0"/>
@@ -2441,35 +2441,35 @@
           <a:p>
             <a:pPr lvl="0"/>
             <a:r>
-              <a:rPr lang="en-US" smtClean="0"/>
+              <a:rPr lang="en-US"/>
               <a:t>Click to edit Master text styles</a:t>
             </a:r>
           </a:p>
           <a:p>
             <a:pPr lvl="1"/>
             <a:r>
-              <a:rPr lang="en-US" smtClean="0"/>
+              <a:rPr lang="en-US"/>
               <a:t>Second level</a:t>
             </a:r>
           </a:p>
           <a:p>
             <a:pPr lvl="2"/>
             <a:r>
-              <a:rPr lang="en-US" smtClean="0"/>
+              <a:rPr lang="en-US"/>
               <a:t>Third level</a:t>
             </a:r>
           </a:p>
           <a:p>
             <a:pPr lvl="3"/>
             <a:r>
-              <a:rPr lang="en-US" smtClean="0"/>
+              <a:rPr lang="en-US"/>
               <a:t>Fourth level</a:t>
             </a:r>
           </a:p>
           <a:p>
             <a:pPr lvl="4"/>
             <a:r>
-              <a:rPr lang="en-US" smtClean="0"/>
+              <a:rPr lang="en-US"/>
               <a:t>Fifth level</a:t>
             </a:r>
             <a:endParaRPr lang="en-US" dirty="0"/>
@@ -2511,7 +2511,7 @@
           <a:p>
             <a:fld id="{B3D1CF3D-C589-634F-8074-9A077527675E}" type="datetimeFigureOut">
               <a:rPr lang="en-US" smtClean="0"/>
-              <a:t>1/15/18</a:t>
+              <a:t>4/24/18</a:t>
             </a:fld>
             <a:endParaRPr lang="en-US"/>
           </a:p>
@@ -3180,82 +3180,6 @@
           </a:fontRef>
         </p:style>
       </p:cxnSp>
-      <p:sp>
-        <p:nvSpPr>
-          <p:cNvPr id="125" name="TextBox 124"/>
-          <p:cNvSpPr txBox="1"/>
-          <p:nvPr/>
-        </p:nvSpPr>
-        <p:spPr>
-          <a:xfrm>
-            <a:off x="5004778" y="2892278"/>
-            <a:ext cx="280481" cy="369332"/>
-          </a:xfrm>
-          <a:prstGeom prst="rect">
-            <a:avLst/>
-          </a:prstGeom>
-          <a:noFill/>
-        </p:spPr>
-        <p:txBody>
-          <a:bodyPr wrap="square" rtlCol="0">
-            <a:spAutoFit/>
-          </a:bodyPr>
-          <a:lstStyle/>
-          <a:p>
-            <a:r>
-              <a:rPr lang="en-US" sz="1800" dirty="0" smtClean="0">
-                <a:latin typeface="Times" charset="0"/>
-                <a:ea typeface="Times" charset="0"/>
-                <a:cs typeface="Times" charset="0"/>
-              </a:rPr>
-              <a:t>1</a:t>
-            </a:r>
-            <a:endParaRPr lang="en-US" sz="1800" dirty="0">
-              <a:latin typeface="Times" charset="0"/>
-              <a:ea typeface="Times" charset="0"/>
-              <a:cs typeface="Times" charset="0"/>
-            </a:endParaRPr>
-          </a:p>
-        </p:txBody>
-      </p:sp>
-      <p:sp>
-        <p:nvSpPr>
-          <p:cNvPr id="126" name="TextBox 125"/>
-          <p:cNvSpPr txBox="1"/>
-          <p:nvPr/>
-        </p:nvSpPr>
-        <p:spPr>
-          <a:xfrm>
-            <a:off x="5126705" y="2332461"/>
-            <a:ext cx="455579" cy="369332"/>
-          </a:xfrm>
-          <a:prstGeom prst="rect">
-            <a:avLst/>
-          </a:prstGeom>
-          <a:noFill/>
-        </p:spPr>
-        <p:txBody>
-          <a:bodyPr wrap="square" rtlCol="0">
-            <a:spAutoFit/>
-          </a:bodyPr>
-          <a:lstStyle/>
-          <a:p>
-            <a:r>
-              <a:rPr lang="en-US" sz="1800" dirty="0" smtClean="0">
-                <a:latin typeface="Times" charset="0"/>
-                <a:ea typeface="Times" charset="0"/>
-                <a:cs typeface="Times" charset="0"/>
-              </a:rPr>
-              <a:t>2</a:t>
-            </a:r>
-            <a:endParaRPr lang="en-US" sz="1800" dirty="0">
-              <a:latin typeface="Times" charset="0"/>
-              <a:ea typeface="Times" charset="0"/>
-              <a:cs typeface="Times" charset="0"/>
-            </a:endParaRPr>
-          </a:p>
-        </p:txBody>
-      </p:sp>
       <p:cxnSp>
         <p:nvCxnSpPr>
           <p:cNvPr id="127" name="Straight Connector 126"/>
@@ -3294,110 +3218,6 @@
           </a:fontRef>
         </p:style>
       </p:cxnSp>
-      <p:sp>
-        <p:nvSpPr>
-          <p:cNvPr id="128" name="TextBox 127"/>
-          <p:cNvSpPr txBox="1"/>
-          <p:nvPr/>
-        </p:nvSpPr>
-        <p:spPr>
-          <a:xfrm>
-            <a:off x="293391" y="1365159"/>
-            <a:ext cx="455579" cy="369332"/>
-          </a:xfrm>
-          <a:prstGeom prst="rect">
-            <a:avLst/>
-          </a:prstGeom>
-          <a:noFill/>
-        </p:spPr>
-        <p:txBody>
-          <a:bodyPr wrap="square" rtlCol="0">
-            <a:spAutoFit/>
-          </a:bodyPr>
-          <a:lstStyle/>
-          <a:p>
-            <a:r>
-              <a:rPr lang="en-US" sz="1800" i="1" dirty="0">
-                <a:latin typeface="Times" charset="0"/>
-                <a:ea typeface="Times" charset="0"/>
-                <a:cs typeface="Times" charset="0"/>
-              </a:rPr>
-              <a:t>i</a:t>
-            </a:r>
-          </a:p>
-        </p:txBody>
-      </p:sp>
-      <p:sp>
-        <p:nvSpPr>
-          <p:cNvPr id="129" name="TextBox 128"/>
-          <p:cNvSpPr txBox="1"/>
-          <p:nvPr/>
-        </p:nvSpPr>
-        <p:spPr>
-          <a:xfrm>
-            <a:off x="46239" y="2100728"/>
-            <a:ext cx="595009" cy="369332"/>
-          </a:xfrm>
-          <a:prstGeom prst="rect">
-            <a:avLst/>
-          </a:prstGeom>
-          <a:noFill/>
-        </p:spPr>
-        <p:txBody>
-          <a:bodyPr wrap="square" rtlCol="0">
-            <a:spAutoFit/>
-          </a:bodyPr>
-          <a:lstStyle/>
-          <a:p>
-            <a:r>
-              <a:rPr lang="en-US" sz="1800" i="1" dirty="0" smtClean="0">
-                <a:latin typeface="Times" charset="0"/>
-                <a:ea typeface="Times" charset="0"/>
-                <a:cs typeface="Times" charset="0"/>
-              </a:rPr>
-              <a:t>i+1</a:t>
-            </a:r>
-            <a:endParaRPr lang="en-US" sz="1800" i="1" dirty="0">
-              <a:latin typeface="Times" charset="0"/>
-              <a:ea typeface="Times" charset="0"/>
-              <a:cs typeface="Times" charset="0"/>
-            </a:endParaRPr>
-          </a:p>
-        </p:txBody>
-      </p:sp>
-      <p:sp>
-        <p:nvSpPr>
-          <p:cNvPr id="130" name="TextBox 129"/>
-          <p:cNvSpPr txBox="1"/>
-          <p:nvPr/>
-        </p:nvSpPr>
-        <p:spPr>
-          <a:xfrm>
-            <a:off x="3895295" y="3765618"/>
-            <a:ext cx="595009" cy="369332"/>
-          </a:xfrm>
-          <a:prstGeom prst="rect">
-            <a:avLst/>
-          </a:prstGeom>
-          <a:noFill/>
-        </p:spPr>
-        <p:txBody>
-          <a:bodyPr wrap="square" rtlCol="0">
-            <a:spAutoFit/>
-          </a:bodyPr>
-          <a:lstStyle/>
-          <a:p>
-            <a:r>
-              <a:rPr lang="en-US" sz="1800" i="1" dirty="0">
-                <a:latin typeface="Times" charset="0"/>
-                <a:ea typeface="Times" charset="0"/>
-                <a:cs typeface="Times" charset="0"/>
-              </a:rPr>
-              <a:t>n</a:t>
-            </a:r>
-          </a:p>
-        </p:txBody>
-      </p:sp>
       <p:cxnSp>
         <p:nvCxnSpPr>
           <p:cNvPr id="136" name="Straight Connector 135"/>
@@ -3474,98 +3294,6 @@
       </p:cxnSp>
       <p:sp>
         <p:nvSpPr>
-          <p:cNvPr id="140" name="TextBox 139"/>
-          <p:cNvSpPr txBox="1"/>
-          <p:nvPr/>
-        </p:nvSpPr>
-        <p:spPr>
-          <a:xfrm>
-            <a:off x="2100451" y="951222"/>
-            <a:ext cx="455579" cy="369332"/>
-          </a:xfrm>
-          <a:prstGeom prst="rect">
-            <a:avLst/>
-          </a:prstGeom>
-          <a:noFill/>
-        </p:spPr>
-        <p:txBody>
-          <a:bodyPr wrap="square" rtlCol="0">
-            <a:spAutoFit/>
-          </a:bodyPr>
-          <a:lstStyle/>
-          <a:p>
-            <a:r>
-              <a:rPr lang="en-US" sz="1800" i="1" dirty="0" smtClean="0">
-                <a:latin typeface="Times" charset="0"/>
-                <a:ea typeface="Times" charset="0"/>
-                <a:cs typeface="Times" charset="0"/>
-              </a:rPr>
-              <a:t>p</a:t>
-            </a:r>
-            <a:r>
-              <a:rPr lang="en-US" sz="1800" i="1" baseline="-25000" dirty="0" smtClean="0">
-                <a:latin typeface="Times" charset="0"/>
-                <a:ea typeface="Times" charset="0"/>
-                <a:cs typeface="Times" charset="0"/>
-              </a:rPr>
-              <a:t>i</a:t>
-            </a:r>
-            <a:endParaRPr lang="en-US" sz="1800" i="1" dirty="0">
-              <a:latin typeface="Times" charset="0"/>
-              <a:ea typeface="Times" charset="0"/>
-              <a:cs typeface="Times" charset="0"/>
-            </a:endParaRPr>
-          </a:p>
-        </p:txBody>
-      </p:sp>
-      <p:sp>
-        <p:nvSpPr>
-          <p:cNvPr id="141" name="TextBox 140"/>
-          <p:cNvSpPr txBox="1"/>
-          <p:nvPr/>
-        </p:nvSpPr>
-        <p:spPr>
-          <a:xfrm>
-            <a:off x="1978406" y="1463526"/>
-            <a:ext cx="643549" cy="369332"/>
-          </a:xfrm>
-          <a:prstGeom prst="rect">
-            <a:avLst/>
-          </a:prstGeom>
-          <a:noFill/>
-        </p:spPr>
-        <p:txBody>
-          <a:bodyPr wrap="square" rtlCol="0">
-            <a:spAutoFit/>
-          </a:bodyPr>
-          <a:lstStyle/>
-          <a:p>
-            <a:r>
-              <a:rPr lang="en-US" sz="1800" i="1" dirty="0">
-                <a:latin typeface="Times" charset="0"/>
-                <a:ea typeface="Times" charset="0"/>
-                <a:cs typeface="Times" charset="0"/>
-              </a:rPr>
-              <a:t>p</a:t>
-            </a:r>
-            <a:r>
-              <a:rPr lang="en-US" sz="1800" i="1" baseline="-25000" dirty="0" smtClean="0">
-                <a:latin typeface="Times" charset="0"/>
-                <a:ea typeface="Times" charset="0"/>
-                <a:cs typeface="Times" charset="0"/>
-              </a:rPr>
-              <a:t>i+1</a:t>
-            </a:r>
-            <a:endParaRPr lang="en-US" sz="1800" i="1" dirty="0">
-              <a:latin typeface="Times" charset="0"/>
-              <a:ea typeface="Times" charset="0"/>
-              <a:cs typeface="Times" charset="0"/>
-            </a:endParaRPr>
-          </a:p>
-        </p:txBody>
-      </p:sp>
-      <p:sp>
-        <p:nvSpPr>
           <p:cNvPr id="2" name="Oval 1"/>
           <p:cNvSpPr/>
           <p:nvPr/>
@@ -3923,6 +3651,965 @@
           </a:fontRef>
         </p:style>
       </p:cxnSp>
+      <p:sp>
+        <p:nvSpPr>
+          <p:cNvPr id="28" name="TextBox 27">
+            <a:extLst>
+              <a:ext uri="{FF2B5EF4-FFF2-40B4-BE49-F238E27FC236}">
+                <a16:creationId xmlns:a16="http://schemas.microsoft.com/office/drawing/2014/main" id="{A64BA5E7-08C4-0447-8EC3-94605D2C5CF3}"/>
+              </a:ext>
+            </a:extLst>
+          </p:cNvPr>
+          <p:cNvSpPr txBox="1"/>
+          <p:nvPr/>
+        </p:nvSpPr>
+        <p:spPr>
+          <a:xfrm>
+            <a:off x="178704" y="1353684"/>
+            <a:ext cx="455579" cy="369332"/>
+          </a:xfrm>
+          <a:prstGeom prst="rect">
+            <a:avLst/>
+          </a:prstGeom>
+          <a:noFill/>
+        </p:spPr>
+        <p:txBody>
+          <a:bodyPr wrap="square" rtlCol="0">
+            <a:spAutoFit/>
+          </a:bodyPr>
+          <a:lstStyle/>
+          <a:p>
+            <a:r>
+              <a:rPr lang="en-US" sz="1800" i="1" dirty="0">
+                <a:latin typeface="Times" charset="0"/>
+                <a:ea typeface="Times" charset="0"/>
+                <a:cs typeface="Times" charset="0"/>
+              </a:rPr>
+              <a:t>p</a:t>
+            </a:r>
+            <a:r>
+              <a:rPr lang="en-US" sz="1800" i="1" baseline="-25000" dirty="0">
+                <a:latin typeface="Times" charset="0"/>
+                <a:ea typeface="Times" charset="0"/>
+                <a:cs typeface="Times" charset="0"/>
+              </a:rPr>
+              <a:t>i</a:t>
+            </a:r>
+          </a:p>
+        </p:txBody>
+      </p:sp>
+      <p:sp>
+        <p:nvSpPr>
+          <p:cNvPr id="30" name="TextBox 29">
+            <a:extLst>
+              <a:ext uri="{FF2B5EF4-FFF2-40B4-BE49-F238E27FC236}">
+                <a16:creationId xmlns:a16="http://schemas.microsoft.com/office/drawing/2014/main" id="{D26916DA-7A61-E242-815A-F04A278B48C1}"/>
+              </a:ext>
+            </a:extLst>
+          </p:cNvPr>
+          <p:cNvSpPr txBox="1"/>
+          <p:nvPr/>
+        </p:nvSpPr>
+        <p:spPr>
+          <a:xfrm>
+            <a:off x="29428" y="2132466"/>
+            <a:ext cx="595009" cy="369332"/>
+          </a:xfrm>
+          <a:prstGeom prst="rect">
+            <a:avLst/>
+          </a:prstGeom>
+          <a:noFill/>
+        </p:spPr>
+        <p:txBody>
+          <a:bodyPr wrap="square" rtlCol="0">
+            <a:spAutoFit/>
+          </a:bodyPr>
+          <a:lstStyle/>
+          <a:p>
+            <a:r>
+              <a:rPr lang="en-US" sz="1800" i="1" dirty="0">
+                <a:latin typeface="Times" charset="0"/>
+                <a:ea typeface="Times" charset="0"/>
+                <a:cs typeface="Times" charset="0"/>
+              </a:rPr>
+              <a:t>p</a:t>
+            </a:r>
+            <a:r>
+              <a:rPr lang="en-US" sz="1800" i="1" baseline="-25000" dirty="0">
+                <a:latin typeface="Times" charset="0"/>
+                <a:ea typeface="Times" charset="0"/>
+                <a:cs typeface="Times" charset="0"/>
+              </a:rPr>
+              <a:t>i+1</a:t>
+            </a:r>
+          </a:p>
+        </p:txBody>
+      </p:sp>
+      <p:sp>
+        <p:nvSpPr>
+          <p:cNvPr id="31" name="TextBox 30">
+            <a:extLst>
+              <a:ext uri="{FF2B5EF4-FFF2-40B4-BE49-F238E27FC236}">
+                <a16:creationId xmlns:a16="http://schemas.microsoft.com/office/drawing/2014/main" id="{F1307348-20F3-9048-8B78-20DE33627DB9}"/>
+              </a:ext>
+            </a:extLst>
+          </p:cNvPr>
+          <p:cNvSpPr txBox="1"/>
+          <p:nvPr/>
+        </p:nvSpPr>
+        <p:spPr>
+          <a:xfrm>
+            <a:off x="2438872" y="816844"/>
+            <a:ext cx="455579" cy="369332"/>
+          </a:xfrm>
+          <a:prstGeom prst="rect">
+            <a:avLst/>
+          </a:prstGeom>
+          <a:noFill/>
+        </p:spPr>
+        <p:txBody>
+          <a:bodyPr wrap="square" rtlCol="0">
+            <a:spAutoFit/>
+          </a:bodyPr>
+          <a:lstStyle/>
+          <a:p>
+            <a:r>
+              <a:rPr lang="en-US" sz="1800" i="1" dirty="0" err="1">
+                <a:latin typeface="Times" charset="0"/>
+                <a:ea typeface="Times" charset="0"/>
+                <a:cs typeface="Times" charset="0"/>
+              </a:rPr>
+              <a:t>p'</a:t>
+            </a:r>
+            <a:r>
+              <a:rPr lang="en-US" sz="1800" i="1" baseline="-25000" dirty="0" err="1">
+                <a:latin typeface="Times" charset="0"/>
+                <a:ea typeface="Times" charset="0"/>
+                <a:cs typeface="Times" charset="0"/>
+              </a:rPr>
+              <a:t>i</a:t>
+            </a:r>
+            <a:endParaRPr lang="en-US" sz="1800" i="1" dirty="0">
+              <a:latin typeface="Times" charset="0"/>
+              <a:ea typeface="Times" charset="0"/>
+              <a:cs typeface="Times" charset="0"/>
+            </a:endParaRPr>
+          </a:p>
+        </p:txBody>
+      </p:sp>
+      <p:sp>
+        <p:nvSpPr>
+          <p:cNvPr id="36" name="TextBox 35">
+            <a:extLst>
+              <a:ext uri="{FF2B5EF4-FFF2-40B4-BE49-F238E27FC236}">
+                <a16:creationId xmlns:a16="http://schemas.microsoft.com/office/drawing/2014/main" id="{253052AF-CE7A-E44D-9B4A-F1882F968EC6}"/>
+              </a:ext>
+            </a:extLst>
+          </p:cNvPr>
+          <p:cNvSpPr txBox="1"/>
+          <p:nvPr/>
+        </p:nvSpPr>
+        <p:spPr>
+          <a:xfrm>
+            <a:off x="1857270" y="439592"/>
+            <a:ext cx="531559" cy="369332"/>
+          </a:xfrm>
+          <a:prstGeom prst="rect">
+            <a:avLst/>
+          </a:prstGeom>
+          <a:noFill/>
+        </p:spPr>
+        <p:txBody>
+          <a:bodyPr wrap="square" rtlCol="0">
+            <a:spAutoFit/>
+          </a:bodyPr>
+          <a:lstStyle/>
+          <a:p>
+            <a:r>
+              <a:rPr lang="en-US" sz="1800" i="1" dirty="0" err="1">
+                <a:latin typeface="Times" charset="0"/>
+                <a:ea typeface="Times" charset="0"/>
+                <a:cs typeface="Times" charset="0"/>
+              </a:rPr>
+              <a:t>v</a:t>
+            </a:r>
+            <a:r>
+              <a:rPr lang="en-US" sz="1800" baseline="-25000" dirty="0" err="1">
+                <a:latin typeface="Times" charset="0"/>
+                <a:ea typeface="Times" charset="0"/>
+                <a:cs typeface="Times" charset="0"/>
+              </a:rPr>
+              <a:t>min</a:t>
+            </a:r>
+            <a:endParaRPr lang="en-US" sz="1800" dirty="0">
+              <a:latin typeface="Times" charset="0"/>
+              <a:ea typeface="Times" charset="0"/>
+              <a:cs typeface="Times" charset="0"/>
+            </a:endParaRPr>
+          </a:p>
+        </p:txBody>
+      </p:sp>
+      <p:sp>
+        <p:nvSpPr>
+          <p:cNvPr id="37" name="TextBox 36">
+            <a:extLst>
+              <a:ext uri="{FF2B5EF4-FFF2-40B4-BE49-F238E27FC236}">
+                <a16:creationId xmlns:a16="http://schemas.microsoft.com/office/drawing/2014/main" id="{1A0BB50E-3D32-464F-9220-6295BBEBB643}"/>
+              </a:ext>
+            </a:extLst>
+          </p:cNvPr>
+          <p:cNvSpPr txBox="1"/>
+          <p:nvPr/>
+        </p:nvSpPr>
+        <p:spPr>
+          <a:xfrm>
+            <a:off x="1645604" y="3875865"/>
+            <a:ext cx="612502" cy="369332"/>
+          </a:xfrm>
+          <a:prstGeom prst="rect">
+            <a:avLst/>
+          </a:prstGeom>
+          <a:noFill/>
+        </p:spPr>
+        <p:txBody>
+          <a:bodyPr wrap="square" rtlCol="0">
+            <a:spAutoFit/>
+          </a:bodyPr>
+          <a:lstStyle/>
+          <a:p>
+            <a:r>
+              <a:rPr lang="en-US" sz="1800" i="1" dirty="0" err="1">
+                <a:latin typeface="Times" charset="0"/>
+                <a:ea typeface="Times" charset="0"/>
+                <a:cs typeface="Times" charset="0"/>
+              </a:rPr>
+              <a:t>v</a:t>
+            </a:r>
+            <a:r>
+              <a:rPr lang="en-US" sz="1800" baseline="-25000" dirty="0" err="1">
+                <a:latin typeface="Times" charset="0"/>
+                <a:ea typeface="Times" charset="0"/>
+                <a:cs typeface="Times" charset="0"/>
+              </a:rPr>
+              <a:t>max</a:t>
+            </a:r>
+            <a:endParaRPr lang="en-US" sz="1800" dirty="0">
+              <a:latin typeface="Times" charset="0"/>
+              <a:ea typeface="Times" charset="0"/>
+              <a:cs typeface="Times" charset="0"/>
+            </a:endParaRPr>
+          </a:p>
+        </p:txBody>
+      </p:sp>
+      <p:sp>
+        <p:nvSpPr>
+          <p:cNvPr id="38" name="TextBox 37">
+            <a:extLst>
+              <a:ext uri="{FF2B5EF4-FFF2-40B4-BE49-F238E27FC236}">
+                <a16:creationId xmlns:a16="http://schemas.microsoft.com/office/drawing/2014/main" id="{6A985686-6BDB-9B49-A0B1-352D2A752E28}"/>
+              </a:ext>
+            </a:extLst>
+          </p:cNvPr>
+          <p:cNvSpPr txBox="1"/>
+          <p:nvPr/>
+        </p:nvSpPr>
+        <p:spPr>
+          <a:xfrm>
+            <a:off x="3893360" y="3775345"/>
+            <a:ext cx="595009" cy="369332"/>
+          </a:xfrm>
+          <a:prstGeom prst="rect">
+            <a:avLst/>
+          </a:prstGeom>
+          <a:noFill/>
+        </p:spPr>
+        <p:txBody>
+          <a:bodyPr wrap="square" rtlCol="0">
+            <a:spAutoFit/>
+          </a:bodyPr>
+          <a:lstStyle/>
+          <a:p>
+            <a:r>
+              <a:rPr lang="en-US" sz="1800" i="1" dirty="0" err="1">
+                <a:latin typeface="Times" charset="0"/>
+                <a:ea typeface="Times" charset="0"/>
+                <a:cs typeface="Times" charset="0"/>
+              </a:rPr>
+              <a:t>p</a:t>
+            </a:r>
+            <a:r>
+              <a:rPr lang="en-US" sz="1800" i="1" baseline="-25000" dirty="0" err="1">
+                <a:latin typeface="Times" charset="0"/>
+                <a:ea typeface="Times" charset="0"/>
+                <a:cs typeface="Times" charset="0"/>
+              </a:rPr>
+              <a:t>n</a:t>
+            </a:r>
+            <a:endParaRPr lang="en-US" sz="1800" i="1" baseline="-25000" dirty="0">
+              <a:latin typeface="Times" charset="0"/>
+              <a:ea typeface="Times" charset="0"/>
+              <a:cs typeface="Times" charset="0"/>
+            </a:endParaRPr>
+          </a:p>
+        </p:txBody>
+      </p:sp>
+      <p:sp>
+        <p:nvSpPr>
+          <p:cNvPr id="39" name="TextBox 38">
+            <a:extLst>
+              <a:ext uri="{FF2B5EF4-FFF2-40B4-BE49-F238E27FC236}">
+                <a16:creationId xmlns:a16="http://schemas.microsoft.com/office/drawing/2014/main" id="{56612619-B886-AE4D-8E4F-923B6DBAC364}"/>
+              </a:ext>
+            </a:extLst>
+          </p:cNvPr>
+          <p:cNvSpPr txBox="1"/>
+          <p:nvPr/>
+        </p:nvSpPr>
+        <p:spPr>
+          <a:xfrm>
+            <a:off x="5126705" y="2332461"/>
+            <a:ext cx="455579" cy="369332"/>
+          </a:xfrm>
+          <a:prstGeom prst="rect">
+            <a:avLst/>
+          </a:prstGeom>
+          <a:noFill/>
+        </p:spPr>
+        <p:txBody>
+          <a:bodyPr wrap="square" rtlCol="0">
+            <a:spAutoFit/>
+          </a:bodyPr>
+          <a:lstStyle/>
+          <a:p>
+            <a:r>
+              <a:rPr lang="en-US" sz="1800" i="1" dirty="0">
+                <a:latin typeface="Times" charset="0"/>
+                <a:ea typeface="Times" charset="0"/>
+                <a:cs typeface="Times" charset="0"/>
+              </a:rPr>
+              <a:t>p</a:t>
+            </a:r>
+            <a:r>
+              <a:rPr lang="en-US" sz="1800" i="1" baseline="-25000" dirty="0">
+                <a:latin typeface="Times" charset="0"/>
+                <a:ea typeface="Times" charset="0"/>
+                <a:cs typeface="Times" charset="0"/>
+              </a:rPr>
+              <a:t>2</a:t>
+            </a:r>
+          </a:p>
+        </p:txBody>
+      </p:sp>
+      <p:sp>
+        <p:nvSpPr>
+          <p:cNvPr id="40" name="TextBox 39">
+            <a:extLst>
+              <a:ext uri="{FF2B5EF4-FFF2-40B4-BE49-F238E27FC236}">
+                <a16:creationId xmlns:a16="http://schemas.microsoft.com/office/drawing/2014/main" id="{A4208F6C-B807-6C45-A68D-1FE01CE7A947}"/>
+              </a:ext>
+            </a:extLst>
+          </p:cNvPr>
+          <p:cNvSpPr txBox="1"/>
+          <p:nvPr/>
+        </p:nvSpPr>
+        <p:spPr>
+          <a:xfrm>
+            <a:off x="5004778" y="2892278"/>
+            <a:ext cx="384345" cy="369332"/>
+          </a:xfrm>
+          <a:prstGeom prst="rect">
+            <a:avLst/>
+          </a:prstGeom>
+          <a:noFill/>
+        </p:spPr>
+        <p:txBody>
+          <a:bodyPr wrap="square" rtlCol="0">
+            <a:spAutoFit/>
+          </a:bodyPr>
+          <a:lstStyle/>
+          <a:p>
+            <a:r>
+              <a:rPr lang="en-US" sz="1800" i="1" dirty="0">
+                <a:latin typeface="Times" charset="0"/>
+                <a:ea typeface="Times" charset="0"/>
+                <a:cs typeface="Times" charset="0"/>
+              </a:rPr>
+              <a:t>p</a:t>
+            </a:r>
+            <a:r>
+              <a:rPr lang="en-US" sz="1800" i="1" baseline="-25000" dirty="0">
+                <a:latin typeface="Times" charset="0"/>
+                <a:ea typeface="Times" charset="0"/>
+                <a:cs typeface="Times" charset="0"/>
+              </a:rPr>
+              <a:t>1</a:t>
+            </a:r>
+          </a:p>
+        </p:txBody>
+      </p:sp>
+      <p:cxnSp>
+        <p:nvCxnSpPr>
+          <p:cNvPr id="41" name="Straight Arrow Connector 40">
+            <a:extLst>
+              <a:ext uri="{FF2B5EF4-FFF2-40B4-BE49-F238E27FC236}">
+                <a16:creationId xmlns:a16="http://schemas.microsoft.com/office/drawing/2014/main" id="{F6E90444-7836-0C46-AD90-B1E4D420DE85}"/>
+              </a:ext>
+            </a:extLst>
+          </p:cNvPr>
+          <p:cNvCxnSpPr>
+            <a:cxnSpLocks/>
+          </p:cNvCxnSpPr>
+          <p:nvPr/>
+        </p:nvCxnSpPr>
+        <p:spPr>
+          <a:xfrm flipH="1">
+            <a:off x="546462" y="1044699"/>
+            <a:ext cx="1915356" cy="591211"/>
+          </a:xfrm>
+          <a:prstGeom prst="straightConnector1">
+            <a:avLst/>
+          </a:prstGeom>
+          <a:ln w="25400">
+            <a:solidFill>
+              <a:srgbClr val="002060"/>
+            </a:solidFill>
+            <a:prstDash val="dash"/>
+            <a:tailEnd type="stealth"/>
+          </a:ln>
+        </p:spPr>
+        <p:style>
+          <a:lnRef idx="1">
+            <a:schemeClr val="accent1"/>
+          </a:lnRef>
+          <a:fillRef idx="0">
+            <a:schemeClr val="accent1"/>
+          </a:fillRef>
+          <a:effectRef idx="0">
+            <a:schemeClr val="accent1"/>
+          </a:effectRef>
+          <a:fontRef idx="minor">
+            <a:schemeClr val="tx1"/>
+          </a:fontRef>
+        </p:style>
+      </p:cxnSp>
+      <p:sp>
+        <p:nvSpPr>
+          <p:cNvPr id="42" name="TextBox 41">
+            <a:extLst>
+              <a:ext uri="{FF2B5EF4-FFF2-40B4-BE49-F238E27FC236}">
+                <a16:creationId xmlns:a16="http://schemas.microsoft.com/office/drawing/2014/main" id="{D9376D1E-E1AB-BC45-8862-6F16AF906DB9}"/>
+              </a:ext>
+            </a:extLst>
+          </p:cNvPr>
+          <p:cNvSpPr txBox="1"/>
+          <p:nvPr/>
+        </p:nvSpPr>
+        <p:spPr>
+          <a:xfrm>
+            <a:off x="2433085" y="1512616"/>
+            <a:ext cx="643549" cy="369332"/>
+          </a:xfrm>
+          <a:prstGeom prst="rect">
+            <a:avLst/>
+          </a:prstGeom>
+          <a:noFill/>
+        </p:spPr>
+        <p:txBody>
+          <a:bodyPr wrap="square" rtlCol="0">
+            <a:spAutoFit/>
+          </a:bodyPr>
+          <a:lstStyle/>
+          <a:p>
+            <a:r>
+              <a:rPr lang="en-US" sz="1800" i="1" dirty="0">
+                <a:latin typeface="Times" charset="0"/>
+                <a:ea typeface="Times" charset="0"/>
+                <a:cs typeface="Times" charset="0"/>
+              </a:rPr>
+              <a:t>p'</a:t>
+            </a:r>
+            <a:r>
+              <a:rPr lang="en-US" sz="1800" i="1" baseline="-25000" dirty="0">
+                <a:latin typeface="Times" charset="0"/>
+                <a:ea typeface="Times" charset="0"/>
+                <a:cs typeface="Times" charset="0"/>
+              </a:rPr>
+              <a:t>i+1</a:t>
+            </a:r>
+            <a:endParaRPr lang="en-US" sz="1800" i="1" dirty="0">
+              <a:latin typeface="Times" charset="0"/>
+              <a:ea typeface="Times" charset="0"/>
+              <a:cs typeface="Times" charset="0"/>
+            </a:endParaRPr>
+          </a:p>
+        </p:txBody>
+      </p:sp>
+      <p:cxnSp>
+        <p:nvCxnSpPr>
+          <p:cNvPr id="44" name="Straight Arrow Connector 43">
+            <a:extLst>
+              <a:ext uri="{FF2B5EF4-FFF2-40B4-BE49-F238E27FC236}">
+                <a16:creationId xmlns:a16="http://schemas.microsoft.com/office/drawing/2014/main" id="{EC390474-CB2B-544D-9FE8-673AA0FBD901}"/>
+              </a:ext>
+            </a:extLst>
+          </p:cNvPr>
+          <p:cNvCxnSpPr>
+            <a:cxnSpLocks/>
+            <a:stCxn id="29" idx="2"/>
+          </p:cNvCxnSpPr>
+          <p:nvPr/>
+        </p:nvCxnSpPr>
+        <p:spPr>
+          <a:xfrm flipH="1">
+            <a:off x="522138" y="1697204"/>
+            <a:ext cx="1886490" cy="647868"/>
+          </a:xfrm>
+          <a:prstGeom prst="straightConnector1">
+            <a:avLst/>
+          </a:prstGeom>
+          <a:ln w="25400">
+            <a:solidFill>
+              <a:srgbClr val="FF0000"/>
+            </a:solidFill>
+            <a:prstDash val="dash"/>
+            <a:tailEnd type="stealth"/>
+          </a:ln>
+        </p:spPr>
+        <p:style>
+          <a:lnRef idx="1">
+            <a:schemeClr val="accent1"/>
+          </a:lnRef>
+          <a:fillRef idx="0">
+            <a:schemeClr val="accent1"/>
+          </a:fillRef>
+          <a:effectRef idx="0">
+            <a:schemeClr val="accent1"/>
+          </a:effectRef>
+          <a:fontRef idx="minor">
+            <a:schemeClr val="tx1"/>
+          </a:fontRef>
+        </p:style>
+      </p:cxnSp>
+      <p:sp>
+        <p:nvSpPr>
+          <p:cNvPr id="8" name="TextBox 7">
+            <a:extLst>
+              <a:ext uri="{FF2B5EF4-FFF2-40B4-BE49-F238E27FC236}">
+                <a16:creationId xmlns:a16="http://schemas.microsoft.com/office/drawing/2014/main" id="{0A3B2F16-4B41-3446-9B27-72A8D271449E}"/>
+              </a:ext>
+            </a:extLst>
+          </p:cNvPr>
+          <p:cNvSpPr txBox="1"/>
+          <p:nvPr/>
+        </p:nvSpPr>
+        <p:spPr>
+          <a:xfrm>
+            <a:off x="1178840" y="881727"/>
+            <a:ext cx="91602" cy="523220"/>
+          </a:xfrm>
+          <a:prstGeom prst="rect">
+            <a:avLst/>
+          </a:prstGeom>
+          <a:noFill/>
+        </p:spPr>
+        <p:txBody>
+          <a:bodyPr wrap="square" rtlCol="0">
+            <a:spAutoFit/>
+          </a:bodyPr>
+          <a:lstStyle/>
+          <a:p>
+            <a:r>
+              <a:rPr lang="en-US" sz="2800" dirty="0"/>
+              <a:t>.</a:t>
+            </a:r>
+          </a:p>
+        </p:txBody>
+      </p:sp>
+      <p:sp>
+        <p:nvSpPr>
+          <p:cNvPr id="49" name="TextBox 48">
+            <a:extLst>
+              <a:ext uri="{FF2B5EF4-FFF2-40B4-BE49-F238E27FC236}">
+                <a16:creationId xmlns:a16="http://schemas.microsoft.com/office/drawing/2014/main" id="{0D1828A8-C4BA-934C-B631-A64C3865B413}"/>
+              </a:ext>
+            </a:extLst>
+          </p:cNvPr>
+          <p:cNvSpPr txBox="1"/>
+          <p:nvPr/>
+        </p:nvSpPr>
+        <p:spPr>
+          <a:xfrm>
+            <a:off x="1192261" y="939674"/>
+            <a:ext cx="110889" cy="523220"/>
+          </a:xfrm>
+          <a:prstGeom prst="rect">
+            <a:avLst/>
+          </a:prstGeom>
+          <a:noFill/>
+        </p:spPr>
+        <p:txBody>
+          <a:bodyPr wrap="square" rtlCol="0">
+            <a:spAutoFit/>
+          </a:bodyPr>
+          <a:lstStyle/>
+          <a:p>
+            <a:r>
+              <a:rPr lang="en-US" sz="2800" dirty="0"/>
+              <a:t>.</a:t>
+            </a:r>
+          </a:p>
+        </p:txBody>
+      </p:sp>
+      <p:sp>
+        <p:nvSpPr>
+          <p:cNvPr id="50" name="TextBox 49">
+            <a:extLst>
+              <a:ext uri="{FF2B5EF4-FFF2-40B4-BE49-F238E27FC236}">
+                <a16:creationId xmlns:a16="http://schemas.microsoft.com/office/drawing/2014/main" id="{3CD3C7ED-DA98-F24B-9E2D-3D275775E652}"/>
+              </a:ext>
+            </a:extLst>
+          </p:cNvPr>
+          <p:cNvSpPr txBox="1"/>
+          <p:nvPr/>
+        </p:nvSpPr>
+        <p:spPr>
+          <a:xfrm>
+            <a:off x="1213024" y="991868"/>
+            <a:ext cx="110889" cy="523220"/>
+          </a:xfrm>
+          <a:prstGeom prst="rect">
+            <a:avLst/>
+          </a:prstGeom>
+          <a:noFill/>
+        </p:spPr>
+        <p:txBody>
+          <a:bodyPr wrap="square" rtlCol="0">
+            <a:spAutoFit/>
+          </a:bodyPr>
+          <a:lstStyle/>
+          <a:p>
+            <a:r>
+              <a:rPr lang="en-US" sz="2800" dirty="0"/>
+              <a:t>.</a:t>
+            </a:r>
+          </a:p>
+        </p:txBody>
+      </p:sp>
+      <p:sp>
+        <p:nvSpPr>
+          <p:cNvPr id="51" name="TextBox 50">
+            <a:extLst>
+              <a:ext uri="{FF2B5EF4-FFF2-40B4-BE49-F238E27FC236}">
+                <a16:creationId xmlns:a16="http://schemas.microsoft.com/office/drawing/2014/main" id="{08EA7AF0-B6F7-ED4D-8FD0-7BED724F77A6}"/>
+              </a:ext>
+            </a:extLst>
+          </p:cNvPr>
+          <p:cNvSpPr txBox="1"/>
+          <p:nvPr/>
+        </p:nvSpPr>
+        <p:spPr>
+          <a:xfrm>
+            <a:off x="1309676" y="1789013"/>
+            <a:ext cx="110889" cy="523220"/>
+          </a:xfrm>
+          <a:prstGeom prst="rect">
+            <a:avLst/>
+          </a:prstGeom>
+          <a:noFill/>
+        </p:spPr>
+        <p:txBody>
+          <a:bodyPr wrap="square" rtlCol="0">
+            <a:spAutoFit/>
+          </a:bodyPr>
+          <a:lstStyle/>
+          <a:p>
+            <a:r>
+              <a:rPr lang="en-US" sz="2800" dirty="0"/>
+              <a:t>.</a:t>
+            </a:r>
+          </a:p>
+        </p:txBody>
+      </p:sp>
+      <p:sp>
+        <p:nvSpPr>
+          <p:cNvPr id="52" name="TextBox 51">
+            <a:extLst>
+              <a:ext uri="{FF2B5EF4-FFF2-40B4-BE49-F238E27FC236}">
+                <a16:creationId xmlns:a16="http://schemas.microsoft.com/office/drawing/2014/main" id="{7ED9383C-C93A-4E40-BDBF-4D4118C7A012}"/>
+              </a:ext>
+            </a:extLst>
+          </p:cNvPr>
+          <p:cNvSpPr txBox="1"/>
+          <p:nvPr/>
+        </p:nvSpPr>
+        <p:spPr>
+          <a:xfrm>
+            <a:off x="1323914" y="1858608"/>
+            <a:ext cx="249052" cy="523220"/>
+          </a:xfrm>
+          <a:prstGeom prst="rect">
+            <a:avLst/>
+          </a:prstGeom>
+          <a:noFill/>
+        </p:spPr>
+        <p:txBody>
+          <a:bodyPr wrap="square" rtlCol="0">
+            <a:spAutoFit/>
+          </a:bodyPr>
+          <a:lstStyle/>
+          <a:p>
+            <a:r>
+              <a:rPr lang="en-US" sz="2800" dirty="0"/>
+              <a:t>.</a:t>
+            </a:r>
+          </a:p>
+        </p:txBody>
+      </p:sp>
+      <p:sp>
+        <p:nvSpPr>
+          <p:cNvPr id="53" name="TextBox 52">
+            <a:extLst>
+              <a:ext uri="{FF2B5EF4-FFF2-40B4-BE49-F238E27FC236}">
+                <a16:creationId xmlns:a16="http://schemas.microsoft.com/office/drawing/2014/main" id="{D63AAED1-79CD-0D47-8FFC-40F11830FB04}"/>
+              </a:ext>
+            </a:extLst>
+          </p:cNvPr>
+          <p:cNvSpPr txBox="1"/>
+          <p:nvPr/>
+        </p:nvSpPr>
+        <p:spPr>
+          <a:xfrm>
+            <a:off x="1373950" y="1930325"/>
+            <a:ext cx="312506" cy="523220"/>
+          </a:xfrm>
+          <a:prstGeom prst="rect">
+            <a:avLst/>
+          </a:prstGeom>
+          <a:noFill/>
+        </p:spPr>
+        <p:txBody>
+          <a:bodyPr wrap="square" rtlCol="0">
+            <a:spAutoFit/>
+          </a:bodyPr>
+          <a:lstStyle/>
+          <a:p>
+            <a:r>
+              <a:rPr lang="en-US" sz="2800" dirty="0"/>
+              <a:t>.</a:t>
+            </a:r>
+          </a:p>
+        </p:txBody>
+      </p:sp>
+      <p:sp>
+        <p:nvSpPr>
+          <p:cNvPr id="54" name="TextBox 53">
+            <a:extLst>
+              <a:ext uri="{FF2B5EF4-FFF2-40B4-BE49-F238E27FC236}">
+                <a16:creationId xmlns:a16="http://schemas.microsoft.com/office/drawing/2014/main" id="{E7BC9E0A-28B0-9646-962D-A00364EFB53D}"/>
+              </a:ext>
+            </a:extLst>
+          </p:cNvPr>
+          <p:cNvSpPr txBox="1"/>
+          <p:nvPr/>
+        </p:nvSpPr>
+        <p:spPr>
+          <a:xfrm>
+            <a:off x="1615030" y="3231719"/>
+            <a:ext cx="110889" cy="523220"/>
+          </a:xfrm>
+          <a:prstGeom prst="rect">
+            <a:avLst/>
+          </a:prstGeom>
+          <a:noFill/>
+        </p:spPr>
+        <p:txBody>
+          <a:bodyPr wrap="square" rtlCol="0">
+            <a:spAutoFit/>
+          </a:bodyPr>
+          <a:lstStyle/>
+          <a:p>
+            <a:r>
+              <a:rPr lang="en-US" sz="2800" dirty="0"/>
+              <a:t>.</a:t>
+            </a:r>
+          </a:p>
+        </p:txBody>
+      </p:sp>
+      <p:sp>
+        <p:nvSpPr>
+          <p:cNvPr id="55" name="TextBox 54">
+            <a:extLst>
+              <a:ext uri="{FF2B5EF4-FFF2-40B4-BE49-F238E27FC236}">
+                <a16:creationId xmlns:a16="http://schemas.microsoft.com/office/drawing/2014/main" id="{F511FB91-C854-8F4D-A846-71C7D5D79530}"/>
+              </a:ext>
+            </a:extLst>
+          </p:cNvPr>
+          <p:cNvSpPr txBox="1"/>
+          <p:nvPr/>
+        </p:nvSpPr>
+        <p:spPr>
+          <a:xfrm>
+            <a:off x="1766662" y="3301774"/>
+            <a:ext cx="110889" cy="523220"/>
+          </a:xfrm>
+          <a:prstGeom prst="rect">
+            <a:avLst/>
+          </a:prstGeom>
+          <a:noFill/>
+        </p:spPr>
+        <p:txBody>
+          <a:bodyPr wrap="square" rtlCol="0">
+            <a:spAutoFit/>
+          </a:bodyPr>
+          <a:lstStyle/>
+          <a:p>
+            <a:r>
+              <a:rPr lang="en-US" sz="2800" dirty="0"/>
+              <a:t>.</a:t>
+            </a:r>
+          </a:p>
+        </p:txBody>
+      </p:sp>
+      <p:sp>
+        <p:nvSpPr>
+          <p:cNvPr id="56" name="TextBox 55">
+            <a:extLst>
+              <a:ext uri="{FF2B5EF4-FFF2-40B4-BE49-F238E27FC236}">
+                <a16:creationId xmlns:a16="http://schemas.microsoft.com/office/drawing/2014/main" id="{B935CD15-04CC-0A4E-A69A-4BF7D7B24E92}"/>
+              </a:ext>
+            </a:extLst>
+          </p:cNvPr>
+          <p:cNvSpPr txBox="1"/>
+          <p:nvPr/>
+        </p:nvSpPr>
+        <p:spPr>
+          <a:xfrm>
+            <a:off x="1691837" y="3263785"/>
+            <a:ext cx="110889" cy="523220"/>
+          </a:xfrm>
+          <a:prstGeom prst="rect">
+            <a:avLst/>
+          </a:prstGeom>
+          <a:noFill/>
+        </p:spPr>
+        <p:txBody>
+          <a:bodyPr wrap="square" rtlCol="0">
+            <a:spAutoFit/>
+          </a:bodyPr>
+          <a:lstStyle/>
+          <a:p>
+            <a:r>
+              <a:rPr lang="en-US" sz="2800" dirty="0"/>
+              <a:t>.</a:t>
+            </a:r>
+          </a:p>
+        </p:txBody>
+      </p:sp>
+      <p:sp>
+        <p:nvSpPr>
+          <p:cNvPr id="57" name="TextBox 56">
+            <a:extLst>
+              <a:ext uri="{FF2B5EF4-FFF2-40B4-BE49-F238E27FC236}">
+                <a16:creationId xmlns:a16="http://schemas.microsoft.com/office/drawing/2014/main" id="{5ED8717E-4129-944E-9A20-369B9008DC40}"/>
+              </a:ext>
+            </a:extLst>
+          </p:cNvPr>
+          <p:cNvSpPr txBox="1"/>
+          <p:nvPr/>
+        </p:nvSpPr>
+        <p:spPr>
+          <a:xfrm>
+            <a:off x="1954724" y="503531"/>
+            <a:ext cx="110889" cy="523220"/>
+          </a:xfrm>
+          <a:prstGeom prst="rect">
+            <a:avLst/>
+          </a:prstGeom>
+          <a:noFill/>
+        </p:spPr>
+        <p:txBody>
+          <a:bodyPr wrap="square" rtlCol="0">
+            <a:spAutoFit/>
+          </a:bodyPr>
+          <a:lstStyle/>
+          <a:p>
+            <a:r>
+              <a:rPr lang="en-US" sz="2800" dirty="0"/>
+              <a:t>.</a:t>
+            </a:r>
+          </a:p>
+        </p:txBody>
+      </p:sp>
+      <p:sp>
+        <p:nvSpPr>
+          <p:cNvPr id="58" name="TextBox 57">
+            <a:extLst>
+              <a:ext uri="{FF2B5EF4-FFF2-40B4-BE49-F238E27FC236}">
+                <a16:creationId xmlns:a16="http://schemas.microsoft.com/office/drawing/2014/main" id="{B39D6A35-B139-D044-95BC-04D1B0B1903F}"/>
+              </a:ext>
+            </a:extLst>
+          </p:cNvPr>
+          <p:cNvSpPr txBox="1"/>
+          <p:nvPr/>
+        </p:nvSpPr>
+        <p:spPr>
+          <a:xfrm>
+            <a:off x="2018561" y="483717"/>
+            <a:ext cx="110889" cy="523220"/>
+          </a:xfrm>
+          <a:prstGeom prst="rect">
+            <a:avLst/>
+          </a:prstGeom>
+          <a:noFill/>
+        </p:spPr>
+        <p:txBody>
+          <a:bodyPr wrap="square" rtlCol="0">
+            <a:spAutoFit/>
+          </a:bodyPr>
+          <a:lstStyle/>
+          <a:p>
+            <a:r>
+              <a:rPr lang="en-US" sz="2800" dirty="0"/>
+              <a:t>.</a:t>
+            </a:r>
+          </a:p>
+        </p:txBody>
+      </p:sp>
+      <p:sp>
+        <p:nvSpPr>
+          <p:cNvPr id="59" name="TextBox 58">
+            <a:extLst>
+              <a:ext uri="{FF2B5EF4-FFF2-40B4-BE49-F238E27FC236}">
+                <a16:creationId xmlns:a16="http://schemas.microsoft.com/office/drawing/2014/main" id="{D08107AB-F88C-8F40-80B1-A86534E5CB3F}"/>
+              </a:ext>
+            </a:extLst>
+          </p:cNvPr>
+          <p:cNvSpPr txBox="1"/>
+          <p:nvPr/>
+        </p:nvSpPr>
+        <p:spPr>
+          <a:xfrm>
+            <a:off x="2100543" y="454449"/>
+            <a:ext cx="110889" cy="523220"/>
+          </a:xfrm>
+          <a:prstGeom prst="rect">
+            <a:avLst/>
+          </a:prstGeom>
+          <a:noFill/>
+        </p:spPr>
+        <p:txBody>
+          <a:bodyPr wrap="square" rtlCol="0">
+            <a:spAutoFit/>
+          </a:bodyPr>
+          <a:lstStyle/>
+          <a:p>
+            <a:r>
+              <a:rPr lang="en-US" sz="2800" dirty="0"/>
+              <a:t>.</a:t>
+            </a:r>
+          </a:p>
+        </p:txBody>
+      </p:sp>
     </p:spTree>
     <p:extLst>
       <p:ext uri="{BB962C8B-B14F-4D97-AF65-F5344CB8AC3E}">

--- a/journalWallFriction/pictures/pdf/anypolygon3.pptx
+++ b/journalWallFriction/pictures/pdf/anypolygon3.pptx
@@ -4610,6 +4610,159 @@
           </a:p>
         </p:txBody>
       </p:sp>
+      <p:sp>
+        <p:nvSpPr>
+          <p:cNvPr id="9" name="Freeform 8">
+            <a:extLst>
+              <a:ext uri="{FF2B5EF4-FFF2-40B4-BE49-F238E27FC236}">
+                <a16:creationId xmlns:a16="http://schemas.microsoft.com/office/drawing/2014/main" id="{FDDCFC35-EDD4-D341-96E6-528DF582D27F}"/>
+              </a:ext>
+            </a:extLst>
+          </p:cNvPr>
+          <p:cNvSpPr/>
+          <p:nvPr/>
+        </p:nvSpPr>
+        <p:spPr>
+          <a:xfrm>
+            <a:off x="512323" y="797668"/>
+            <a:ext cx="1945532" cy="3171217"/>
+          </a:xfrm>
+          <a:custGeom>
+            <a:avLst/>
+            <a:gdLst>
+              <a:gd name="connsiteX0" fmla="*/ 1945532 w 1945532"/>
+              <a:gd name="connsiteY0" fmla="*/ 0 h 3171217"/>
+              <a:gd name="connsiteX1" fmla="*/ 1789890 w 1945532"/>
+              <a:gd name="connsiteY1" fmla="*/ 0 h 3171217"/>
+              <a:gd name="connsiteX2" fmla="*/ 1173805 w 1945532"/>
+              <a:gd name="connsiteY2" fmla="*/ 162128 h 3171217"/>
+              <a:gd name="connsiteX3" fmla="*/ 259405 w 1945532"/>
+              <a:gd name="connsiteY3" fmla="*/ 492868 h 3171217"/>
+              <a:gd name="connsiteX4" fmla="*/ 32426 w 1945532"/>
+              <a:gd name="connsiteY4" fmla="*/ 830094 h 3171217"/>
+              <a:gd name="connsiteX5" fmla="*/ 0 w 1945532"/>
+              <a:gd name="connsiteY5" fmla="*/ 1549941 h 3171217"/>
+              <a:gd name="connsiteX6" fmla="*/ 440988 w 1945532"/>
+              <a:gd name="connsiteY6" fmla="*/ 2243847 h 3171217"/>
+              <a:gd name="connsiteX7" fmla="*/ 1024647 w 1945532"/>
+              <a:gd name="connsiteY7" fmla="*/ 2762655 h 3171217"/>
+              <a:gd name="connsiteX8" fmla="*/ 1705583 w 1945532"/>
+              <a:gd name="connsiteY8" fmla="*/ 3158247 h 3171217"/>
+              <a:gd name="connsiteX9" fmla="*/ 1861226 w 1945532"/>
+              <a:gd name="connsiteY9" fmla="*/ 3171217 h 3171217"/>
+              <a:gd name="connsiteX10" fmla="*/ 1945532 w 1945532"/>
+              <a:gd name="connsiteY10" fmla="*/ 0 h 3171217"/>
+            </a:gdLst>
+            <a:ahLst/>
+            <a:cxnLst>
+              <a:cxn ang="0">
+                <a:pos x="connsiteX0" y="connsiteY0"/>
+              </a:cxn>
+              <a:cxn ang="0">
+                <a:pos x="connsiteX1" y="connsiteY1"/>
+              </a:cxn>
+              <a:cxn ang="0">
+                <a:pos x="connsiteX2" y="connsiteY2"/>
+              </a:cxn>
+              <a:cxn ang="0">
+                <a:pos x="connsiteX3" y="connsiteY3"/>
+              </a:cxn>
+              <a:cxn ang="0">
+                <a:pos x="connsiteX4" y="connsiteY4"/>
+              </a:cxn>
+              <a:cxn ang="0">
+                <a:pos x="connsiteX5" y="connsiteY5"/>
+              </a:cxn>
+              <a:cxn ang="0">
+                <a:pos x="connsiteX6" y="connsiteY6"/>
+              </a:cxn>
+              <a:cxn ang="0">
+                <a:pos x="connsiteX7" y="connsiteY7"/>
+              </a:cxn>
+              <a:cxn ang="0">
+                <a:pos x="connsiteX8" y="connsiteY8"/>
+              </a:cxn>
+              <a:cxn ang="0">
+                <a:pos x="connsiteX9" y="connsiteY9"/>
+              </a:cxn>
+              <a:cxn ang="0">
+                <a:pos x="connsiteX10" y="connsiteY10"/>
+              </a:cxn>
+            </a:cxnLst>
+            <a:rect l="l" t="t" r="r" b="b"/>
+            <a:pathLst>
+              <a:path w="1945532" h="3171217">
+                <a:moveTo>
+                  <a:pt x="1945532" y="0"/>
+                </a:moveTo>
+                <a:lnTo>
+                  <a:pt x="1789890" y="0"/>
+                </a:lnTo>
+                <a:lnTo>
+                  <a:pt x="1173805" y="162128"/>
+                </a:lnTo>
+                <a:lnTo>
+                  <a:pt x="259405" y="492868"/>
+                </a:lnTo>
+                <a:lnTo>
+                  <a:pt x="32426" y="830094"/>
+                </a:lnTo>
+                <a:lnTo>
+                  <a:pt x="0" y="1549941"/>
+                </a:lnTo>
+                <a:lnTo>
+                  <a:pt x="440988" y="2243847"/>
+                </a:lnTo>
+                <a:lnTo>
+                  <a:pt x="1024647" y="2762655"/>
+                </a:lnTo>
+                <a:lnTo>
+                  <a:pt x="1705583" y="3158247"/>
+                </a:lnTo>
+                <a:lnTo>
+                  <a:pt x="1861226" y="3171217"/>
+                </a:lnTo>
+                <a:lnTo>
+                  <a:pt x="1945532" y="0"/>
+                </a:lnTo>
+                <a:close/>
+              </a:path>
+            </a:pathLst>
+          </a:custGeom>
+          <a:solidFill>
+            <a:srgbClr val="92D050">
+              <a:alpha val="26000"/>
+            </a:srgbClr>
+          </a:solidFill>
+          <a:ln>
+            <a:noFill/>
+          </a:ln>
+        </p:spPr>
+        <p:style>
+          <a:lnRef idx="2">
+            <a:schemeClr val="accent1">
+              <a:shade val="50000"/>
+            </a:schemeClr>
+          </a:lnRef>
+          <a:fillRef idx="1">
+            <a:schemeClr val="accent1"/>
+          </a:fillRef>
+          <a:effectRef idx="0">
+            <a:schemeClr val="accent1"/>
+          </a:effectRef>
+          <a:fontRef idx="minor">
+            <a:schemeClr val="lt1"/>
+          </a:fontRef>
+        </p:style>
+        <p:txBody>
+          <a:bodyPr rtlCol="0" anchor="ctr"/>
+          <a:lstStyle/>
+          <a:p>
+            <a:pPr algn="ctr"/>
+            <a:endParaRPr lang="en-US"/>
+          </a:p>
+        </p:txBody>
+      </p:sp>
     </p:spTree>
     <p:extLst>
       <p:ext uri="{BB962C8B-B14F-4D97-AF65-F5344CB8AC3E}">

--- a/journalWallFriction/pictures/pdf/anypolygon3.pptx
+++ b/journalWallFriction/pictures/pdf/anypolygon3.pptx
@@ -4612,10 +4612,10 @@
       </p:sp>
       <p:sp>
         <p:nvSpPr>
-          <p:cNvPr id="9" name="Freeform 8">
+          <p:cNvPr id="11" name="Freeform 10">
             <a:extLst>
               <a:ext uri="{FF2B5EF4-FFF2-40B4-BE49-F238E27FC236}">
-                <a16:creationId xmlns:a16="http://schemas.microsoft.com/office/drawing/2014/main" id="{FDDCFC35-EDD4-D341-96E6-528DF582D27F}"/>
+                <a16:creationId xmlns:a16="http://schemas.microsoft.com/office/drawing/2014/main" id="{6FBA3E24-D988-EC46-A11D-F42CD9876531}"/>
               </a:ext>
             </a:extLst>
           </p:cNvPr>
@@ -4624,34 +4624,28 @@
         </p:nvSpPr>
         <p:spPr>
           <a:xfrm>
-            <a:off x="512323" y="797668"/>
-            <a:ext cx="1945532" cy="3171217"/>
+            <a:off x="486383" y="1044102"/>
+            <a:ext cx="1971472" cy="2911813"/>
           </a:xfrm>
           <a:custGeom>
             <a:avLst/>
             <a:gdLst>
-              <a:gd name="connsiteX0" fmla="*/ 1945532 w 1945532"/>
-              <a:gd name="connsiteY0" fmla="*/ 0 h 3171217"/>
-              <a:gd name="connsiteX1" fmla="*/ 1789890 w 1945532"/>
-              <a:gd name="connsiteY1" fmla="*/ 0 h 3171217"/>
-              <a:gd name="connsiteX2" fmla="*/ 1173805 w 1945532"/>
-              <a:gd name="connsiteY2" fmla="*/ 162128 h 3171217"/>
-              <a:gd name="connsiteX3" fmla="*/ 259405 w 1945532"/>
-              <a:gd name="connsiteY3" fmla="*/ 492868 h 3171217"/>
-              <a:gd name="connsiteX4" fmla="*/ 32426 w 1945532"/>
-              <a:gd name="connsiteY4" fmla="*/ 830094 h 3171217"/>
-              <a:gd name="connsiteX5" fmla="*/ 0 w 1945532"/>
-              <a:gd name="connsiteY5" fmla="*/ 1549941 h 3171217"/>
-              <a:gd name="connsiteX6" fmla="*/ 440988 w 1945532"/>
-              <a:gd name="connsiteY6" fmla="*/ 2243847 h 3171217"/>
-              <a:gd name="connsiteX7" fmla="*/ 1024647 w 1945532"/>
-              <a:gd name="connsiteY7" fmla="*/ 2762655 h 3171217"/>
-              <a:gd name="connsiteX8" fmla="*/ 1705583 w 1945532"/>
-              <a:gd name="connsiteY8" fmla="*/ 3158247 h 3171217"/>
-              <a:gd name="connsiteX9" fmla="*/ 1861226 w 1945532"/>
-              <a:gd name="connsiteY9" fmla="*/ 3171217 h 3171217"/>
-              <a:gd name="connsiteX10" fmla="*/ 1945532 w 1945532"/>
-              <a:gd name="connsiteY10" fmla="*/ 0 h 3171217"/>
+              <a:gd name="connsiteX0" fmla="*/ 1971472 w 1971472"/>
+              <a:gd name="connsiteY0" fmla="*/ 0 h 2911813"/>
+              <a:gd name="connsiteX1" fmla="*/ 51881 w 1971472"/>
+              <a:gd name="connsiteY1" fmla="*/ 596630 h 2911813"/>
+              <a:gd name="connsiteX2" fmla="*/ 0 w 1971472"/>
+              <a:gd name="connsiteY2" fmla="*/ 1322962 h 2911813"/>
+              <a:gd name="connsiteX3" fmla="*/ 460443 w 1971472"/>
+              <a:gd name="connsiteY3" fmla="*/ 1984443 h 2911813"/>
+              <a:gd name="connsiteX4" fmla="*/ 1050587 w 1971472"/>
+              <a:gd name="connsiteY4" fmla="*/ 2509736 h 2911813"/>
+              <a:gd name="connsiteX5" fmla="*/ 1712068 w 1971472"/>
+              <a:gd name="connsiteY5" fmla="*/ 2911813 h 2911813"/>
+              <a:gd name="connsiteX6" fmla="*/ 1867711 w 1971472"/>
+              <a:gd name="connsiteY6" fmla="*/ 2911813 h 2911813"/>
+              <a:gd name="connsiteX7" fmla="*/ 1971472 w 1971472"/>
+              <a:gd name="connsiteY7" fmla="*/ 0 h 2911813"/>
             </a:gdLst>
             <a:ahLst/>
             <a:cxnLst>
@@ -4679,60 +4673,171 @@
               <a:cxn ang="0">
                 <a:pos x="connsiteX7" y="connsiteY7"/>
               </a:cxn>
-              <a:cxn ang="0">
-                <a:pos x="connsiteX8" y="connsiteY8"/>
-              </a:cxn>
-              <a:cxn ang="0">
-                <a:pos x="connsiteX9" y="connsiteY9"/>
-              </a:cxn>
-              <a:cxn ang="0">
-                <a:pos x="connsiteX10" y="connsiteY10"/>
-              </a:cxn>
             </a:cxnLst>
             <a:rect l="l" t="t" r="r" b="b"/>
             <a:pathLst>
-              <a:path w="1945532" h="3171217">
+              <a:path w="1971472" h="2911813">
                 <a:moveTo>
-                  <a:pt x="1945532" y="0"/>
+                  <a:pt x="1971472" y="0"/>
                 </a:moveTo>
                 <a:lnTo>
-                  <a:pt x="1789890" y="0"/>
+                  <a:pt x="51881" y="596630"/>
                 </a:lnTo>
                 <a:lnTo>
-                  <a:pt x="1173805" y="162128"/>
+                  <a:pt x="0" y="1322962"/>
                 </a:lnTo>
                 <a:lnTo>
-                  <a:pt x="259405" y="492868"/>
+                  <a:pt x="460443" y="1984443"/>
                 </a:lnTo>
                 <a:lnTo>
-                  <a:pt x="32426" y="830094"/>
+                  <a:pt x="1050587" y="2509736"/>
                 </a:lnTo>
                 <a:lnTo>
-                  <a:pt x="0" y="1549941"/>
+                  <a:pt x="1712068" y="2911813"/>
                 </a:lnTo>
                 <a:lnTo>
-                  <a:pt x="440988" y="2243847"/>
+                  <a:pt x="1867711" y="2911813"/>
                 </a:lnTo>
                 <a:lnTo>
-                  <a:pt x="1024647" y="2762655"/>
-                </a:lnTo>
-                <a:lnTo>
-                  <a:pt x="1705583" y="3158247"/>
-                </a:lnTo>
-                <a:lnTo>
-                  <a:pt x="1861226" y="3171217"/>
-                </a:lnTo>
-                <a:lnTo>
-                  <a:pt x="1945532" y="0"/>
+                  <a:pt x="1971472" y="0"/>
                 </a:lnTo>
                 <a:close/>
               </a:path>
             </a:pathLst>
           </a:custGeom>
           <a:solidFill>
-            <a:srgbClr val="92D050">
-              <a:alpha val="26000"/>
+            <a:srgbClr val="FF0000">
+              <a:alpha val="18000"/>
             </a:srgbClr>
+          </a:solidFill>
+          <a:ln>
+            <a:noFill/>
+          </a:ln>
+        </p:spPr>
+        <p:style>
+          <a:lnRef idx="2">
+            <a:schemeClr val="accent1">
+              <a:shade val="50000"/>
+            </a:schemeClr>
+          </a:lnRef>
+          <a:fillRef idx="1">
+            <a:schemeClr val="accent1"/>
+          </a:fillRef>
+          <a:effectRef idx="0">
+            <a:schemeClr val="accent1"/>
+          </a:effectRef>
+          <a:fontRef idx="minor">
+            <a:schemeClr val="lt1"/>
+          </a:fontRef>
+        </p:style>
+        <p:txBody>
+          <a:bodyPr rtlCol="0" anchor="ctr"/>
+          <a:lstStyle/>
+          <a:p>
+            <a:pPr algn="ctr"/>
+            <a:endParaRPr lang="en-US"/>
+          </a:p>
+        </p:txBody>
+      </p:sp>
+      <p:sp>
+        <p:nvSpPr>
+          <p:cNvPr id="12" name="Freeform 11">
+            <a:extLst>
+              <a:ext uri="{FF2B5EF4-FFF2-40B4-BE49-F238E27FC236}">
+                <a16:creationId xmlns:a16="http://schemas.microsoft.com/office/drawing/2014/main" id="{2268ACC6-AC8F-6E4E-9B89-1E75ADFF1535}"/>
+              </a:ext>
+            </a:extLst>
+          </p:cNvPr>
+          <p:cNvSpPr/>
+          <p:nvPr/>
+        </p:nvSpPr>
+        <p:spPr>
+          <a:xfrm>
+            <a:off x="499353" y="810638"/>
+            <a:ext cx="1971473" cy="1549941"/>
+          </a:xfrm>
+          <a:custGeom>
+            <a:avLst/>
+            <a:gdLst>
+              <a:gd name="connsiteX0" fmla="*/ 1939047 w 1971473"/>
+              <a:gd name="connsiteY0" fmla="*/ 888460 h 1549941"/>
+              <a:gd name="connsiteX1" fmla="*/ 0 w 1971473"/>
+              <a:gd name="connsiteY1" fmla="*/ 1549941 h 1549941"/>
+              <a:gd name="connsiteX2" fmla="*/ 19456 w 1971473"/>
+              <a:gd name="connsiteY2" fmla="*/ 830094 h 1549941"/>
+              <a:gd name="connsiteX3" fmla="*/ 285345 w 1971473"/>
+              <a:gd name="connsiteY3" fmla="*/ 460443 h 1549941"/>
+              <a:gd name="connsiteX4" fmla="*/ 1154349 w 1971473"/>
+              <a:gd name="connsiteY4" fmla="*/ 155643 h 1549941"/>
+              <a:gd name="connsiteX5" fmla="*/ 1822315 w 1971473"/>
+              <a:gd name="connsiteY5" fmla="*/ 0 h 1549941"/>
+              <a:gd name="connsiteX6" fmla="*/ 1971473 w 1971473"/>
+              <a:gd name="connsiteY6" fmla="*/ 0 h 1549941"/>
+              <a:gd name="connsiteX7" fmla="*/ 1939047 w 1971473"/>
+              <a:gd name="connsiteY7" fmla="*/ 888460 h 1549941"/>
+            </a:gdLst>
+            <a:ahLst/>
+            <a:cxnLst>
+              <a:cxn ang="0">
+                <a:pos x="connsiteX0" y="connsiteY0"/>
+              </a:cxn>
+              <a:cxn ang="0">
+                <a:pos x="connsiteX1" y="connsiteY1"/>
+              </a:cxn>
+              <a:cxn ang="0">
+                <a:pos x="connsiteX2" y="connsiteY2"/>
+              </a:cxn>
+              <a:cxn ang="0">
+                <a:pos x="connsiteX3" y="connsiteY3"/>
+              </a:cxn>
+              <a:cxn ang="0">
+                <a:pos x="connsiteX4" y="connsiteY4"/>
+              </a:cxn>
+              <a:cxn ang="0">
+                <a:pos x="connsiteX5" y="connsiteY5"/>
+              </a:cxn>
+              <a:cxn ang="0">
+                <a:pos x="connsiteX6" y="connsiteY6"/>
+              </a:cxn>
+              <a:cxn ang="0">
+                <a:pos x="connsiteX7" y="connsiteY7"/>
+              </a:cxn>
+            </a:cxnLst>
+            <a:rect l="l" t="t" r="r" b="b"/>
+            <a:pathLst>
+              <a:path w="1971473" h="1549941">
+                <a:moveTo>
+                  <a:pt x="1939047" y="888460"/>
+                </a:moveTo>
+                <a:lnTo>
+                  <a:pt x="0" y="1549941"/>
+                </a:lnTo>
+                <a:lnTo>
+                  <a:pt x="19456" y="830094"/>
+                </a:lnTo>
+                <a:lnTo>
+                  <a:pt x="285345" y="460443"/>
+                </a:lnTo>
+                <a:lnTo>
+                  <a:pt x="1154349" y="155643"/>
+                </a:lnTo>
+                <a:lnTo>
+                  <a:pt x="1822315" y="0"/>
+                </a:lnTo>
+                <a:lnTo>
+                  <a:pt x="1971473" y="0"/>
+                </a:lnTo>
+                <a:lnTo>
+                  <a:pt x="1939047" y="888460"/>
+                </a:lnTo>
+                <a:close/>
+              </a:path>
+            </a:pathLst>
+          </a:custGeom>
+          <a:solidFill>
+            <a:schemeClr val="accent1">
+              <a:alpha val="16000"/>
+            </a:schemeClr>
           </a:solidFill>
           <a:ln>
             <a:noFill/>

--- a/journalWallFriction/pictures/pdf/anypolygon3.pptx
+++ b/journalWallFriction/pictures/pdf/anypolygon3.pptx
@@ -243,7 +243,7 @@
           <a:p>
             <a:fld id="{B3D1CF3D-C589-634F-8074-9A077527675E}" type="datetimeFigureOut">
               <a:rPr lang="en-US" smtClean="0"/>
-              <a:t>4/24/18</a:t>
+              <a:t>4/30/18</a:t>
             </a:fld>
             <a:endParaRPr lang="en-US"/>
           </a:p>
@@ -408,7 +408,7 @@
           <a:p>
             <a:fld id="{B3D1CF3D-C589-634F-8074-9A077527675E}" type="datetimeFigureOut">
               <a:rPr lang="en-US" smtClean="0"/>
-              <a:t>4/24/18</a:t>
+              <a:t>4/30/18</a:t>
             </a:fld>
             <a:endParaRPr lang="en-US"/>
           </a:p>
@@ -583,7 +583,7 @@
           <a:p>
             <a:fld id="{B3D1CF3D-C589-634F-8074-9A077527675E}" type="datetimeFigureOut">
               <a:rPr lang="en-US" smtClean="0"/>
-              <a:t>4/24/18</a:t>
+              <a:t>4/30/18</a:t>
             </a:fld>
             <a:endParaRPr lang="en-US"/>
           </a:p>
@@ -748,7 +748,7 @@
           <a:p>
             <a:fld id="{B3D1CF3D-C589-634F-8074-9A077527675E}" type="datetimeFigureOut">
               <a:rPr lang="en-US" smtClean="0"/>
-              <a:t>4/24/18</a:t>
+              <a:t>4/30/18</a:t>
             </a:fld>
             <a:endParaRPr lang="en-US"/>
           </a:p>
@@ -987,7 +987,7 @@
           <a:p>
             <a:fld id="{B3D1CF3D-C589-634F-8074-9A077527675E}" type="datetimeFigureOut">
               <a:rPr lang="en-US" smtClean="0"/>
-              <a:t>4/24/18</a:t>
+              <a:t>4/30/18</a:t>
             </a:fld>
             <a:endParaRPr lang="en-US"/>
           </a:p>
@@ -1214,7 +1214,7 @@
           <a:p>
             <a:fld id="{B3D1CF3D-C589-634F-8074-9A077527675E}" type="datetimeFigureOut">
               <a:rPr lang="en-US" smtClean="0"/>
-              <a:t>4/24/18</a:t>
+              <a:t>4/30/18</a:t>
             </a:fld>
             <a:endParaRPr lang="en-US"/>
           </a:p>
@@ -1576,7 +1576,7 @@
           <a:p>
             <a:fld id="{B3D1CF3D-C589-634F-8074-9A077527675E}" type="datetimeFigureOut">
               <a:rPr lang="en-US" smtClean="0"/>
-              <a:t>4/24/18</a:t>
+              <a:t>4/30/18</a:t>
             </a:fld>
             <a:endParaRPr lang="en-US"/>
           </a:p>
@@ -1689,7 +1689,7 @@
           <a:p>
             <a:fld id="{B3D1CF3D-C589-634F-8074-9A077527675E}" type="datetimeFigureOut">
               <a:rPr lang="en-US" smtClean="0"/>
-              <a:t>4/24/18</a:t>
+              <a:t>4/30/18</a:t>
             </a:fld>
             <a:endParaRPr lang="en-US"/>
           </a:p>
@@ -1779,7 +1779,7 @@
           <a:p>
             <a:fld id="{B3D1CF3D-C589-634F-8074-9A077527675E}" type="datetimeFigureOut">
               <a:rPr lang="en-US" smtClean="0"/>
-              <a:t>4/24/18</a:t>
+              <a:t>4/30/18</a:t>
             </a:fld>
             <a:endParaRPr lang="en-US"/>
           </a:p>
@@ -2051,7 +2051,7 @@
           <a:p>
             <a:fld id="{B3D1CF3D-C589-634F-8074-9A077527675E}" type="datetimeFigureOut">
               <a:rPr lang="en-US" smtClean="0"/>
-              <a:t>4/24/18</a:t>
+              <a:t>4/30/18</a:t>
             </a:fld>
             <a:endParaRPr lang="en-US"/>
           </a:p>
@@ -2303,7 +2303,7 @@
           <a:p>
             <a:fld id="{B3D1CF3D-C589-634F-8074-9A077527675E}" type="datetimeFigureOut">
               <a:rPr lang="en-US" smtClean="0"/>
-              <a:t>4/24/18</a:t>
+              <a:t>4/30/18</a:t>
             </a:fld>
             <a:endParaRPr lang="en-US"/>
           </a:p>
@@ -2511,7 +2511,7 @@
           <a:p>
             <a:fld id="{B3D1CF3D-C589-634F-8074-9A077527675E}" type="datetimeFigureOut">
               <a:rPr lang="en-US" smtClean="0"/>
-              <a:t>4/24/18</a:t>
+              <a:t>4/30/18</a:t>
             </a:fld>
             <a:endParaRPr lang="en-US"/>
           </a:p>
@@ -3543,13 +3543,15 @@
       <p:cxnSp>
         <p:nvCxnSpPr>
           <p:cNvPr id="46" name="Straight Arrow Connector 45"/>
-          <p:cNvCxnSpPr/>
+          <p:cNvCxnSpPr>
+            <a:cxnSpLocks/>
+          </p:cNvCxnSpPr>
           <p:nvPr/>
         </p:nvCxnSpPr>
         <p:spPr>
           <a:xfrm flipH="1">
-            <a:off x="2356595" y="1720063"/>
-            <a:ext cx="74892" cy="2254376"/>
+            <a:off x="2354094" y="1694663"/>
+            <a:ext cx="77394" cy="2235852"/>
           </a:xfrm>
           <a:prstGeom prst="straightConnector1">
             <a:avLst/>
@@ -3580,13 +3582,16 @@
       <p:cxnSp>
         <p:nvCxnSpPr>
           <p:cNvPr id="47" name="Straight Arrow Connector 46"/>
-          <p:cNvCxnSpPr/>
+          <p:cNvCxnSpPr>
+            <a:cxnSpLocks/>
+            <a:stCxn id="42" idx="1"/>
+          </p:cNvCxnSpPr>
           <p:nvPr/>
         </p:nvCxnSpPr>
         <p:spPr>
           <a:xfrm flipH="1">
-            <a:off x="2189324" y="1734491"/>
-            <a:ext cx="255137" cy="2225520"/>
+            <a:off x="2189325" y="1697282"/>
+            <a:ext cx="243760" cy="2262729"/>
           </a:xfrm>
           <a:prstGeom prst="straightConnector1">
             <a:avLst/>
@@ -3617,13 +3622,16 @@
       <p:cxnSp>
         <p:nvCxnSpPr>
           <p:cNvPr id="48" name="Straight Arrow Connector 47"/>
-          <p:cNvCxnSpPr/>
+          <p:cNvCxnSpPr>
+            <a:cxnSpLocks/>
+            <a:stCxn id="42" idx="1"/>
+          </p:cNvCxnSpPr>
           <p:nvPr/>
         </p:nvCxnSpPr>
         <p:spPr>
           <a:xfrm flipH="1">
-            <a:off x="1530572" y="1734491"/>
-            <a:ext cx="913889" cy="1833173"/>
+            <a:off x="1530573" y="1697282"/>
+            <a:ext cx="902512" cy="1870382"/>
           </a:xfrm>
           <a:prstGeom prst="straightConnector1">
             <a:avLst/>
@@ -4624,7 +4632,7 @@
         </p:nvSpPr>
         <p:spPr>
           <a:xfrm>
-            <a:off x="486383" y="1044102"/>
+            <a:off x="477498" y="1033708"/>
             <a:ext cx="1971472" cy="2911813"/>
           </a:xfrm>
           <a:custGeom>
@@ -4735,7 +4743,7 @@
           <a:lstStyle/>
           <a:p>
             <a:pPr algn="ctr"/>
-            <a:endParaRPr lang="en-US"/>
+            <a:endParaRPr lang="en-US" dirty="0"/>
           </a:p>
         </p:txBody>
       </p:sp>
@@ -4838,6 +4846,110 @@
             <a:schemeClr val="accent1">
               <a:alpha val="16000"/>
             </a:schemeClr>
+          </a:solidFill>
+          <a:ln>
+            <a:noFill/>
+          </a:ln>
+        </p:spPr>
+        <p:style>
+          <a:lnRef idx="2">
+            <a:schemeClr val="accent1">
+              <a:shade val="50000"/>
+            </a:schemeClr>
+          </a:lnRef>
+          <a:fillRef idx="1">
+            <a:schemeClr val="accent1"/>
+          </a:fillRef>
+          <a:effectRef idx="0">
+            <a:schemeClr val="accent1"/>
+          </a:effectRef>
+          <a:fontRef idx="minor">
+            <a:schemeClr val="lt1"/>
+          </a:fontRef>
+        </p:style>
+        <p:txBody>
+          <a:bodyPr rtlCol="0" anchor="ctr"/>
+          <a:lstStyle/>
+          <a:p>
+            <a:pPr algn="ctr"/>
+            <a:endParaRPr lang="en-US"/>
+          </a:p>
+        </p:txBody>
+      </p:sp>
+      <p:sp>
+        <p:nvSpPr>
+          <p:cNvPr id="4" name="Oval 3">
+            <a:extLst>
+              <a:ext uri="{FF2B5EF4-FFF2-40B4-BE49-F238E27FC236}">
+                <a16:creationId xmlns:a16="http://schemas.microsoft.com/office/drawing/2014/main" id="{DBAFD620-751D-6641-9EDA-8FF75F096AF6}"/>
+              </a:ext>
+            </a:extLst>
+          </p:cNvPr>
+          <p:cNvSpPr/>
+          <p:nvPr/>
+        </p:nvSpPr>
+        <p:spPr>
+          <a:xfrm>
+            <a:off x="2442164" y="778582"/>
+            <a:ext cx="45719" cy="45719"/>
+          </a:xfrm>
+          <a:prstGeom prst="ellipse">
+            <a:avLst/>
+          </a:prstGeom>
+          <a:solidFill>
+            <a:schemeClr val="tx1"/>
+          </a:solidFill>
+          <a:ln>
+            <a:noFill/>
+          </a:ln>
+        </p:spPr>
+        <p:style>
+          <a:lnRef idx="2">
+            <a:schemeClr val="accent1">
+              <a:shade val="50000"/>
+            </a:schemeClr>
+          </a:lnRef>
+          <a:fillRef idx="1">
+            <a:schemeClr val="accent1"/>
+          </a:fillRef>
+          <a:effectRef idx="0">
+            <a:schemeClr val="accent1"/>
+          </a:effectRef>
+          <a:fontRef idx="minor">
+            <a:schemeClr val="lt1"/>
+          </a:fontRef>
+        </p:style>
+        <p:txBody>
+          <a:bodyPr rtlCol="0" anchor="ctr"/>
+          <a:lstStyle/>
+          <a:p>
+            <a:pPr algn="ctr"/>
+            <a:endParaRPr lang="en-US"/>
+          </a:p>
+        </p:txBody>
+      </p:sp>
+      <p:sp>
+        <p:nvSpPr>
+          <p:cNvPr id="60" name="Oval 59">
+            <a:extLst>
+              <a:ext uri="{FF2B5EF4-FFF2-40B4-BE49-F238E27FC236}">
+                <a16:creationId xmlns:a16="http://schemas.microsoft.com/office/drawing/2014/main" id="{FD1A8291-EC80-B541-8F3D-81D0A4B2B147}"/>
+              </a:ext>
+            </a:extLst>
+          </p:cNvPr>
+          <p:cNvSpPr/>
+          <p:nvPr/>
+        </p:nvSpPr>
+        <p:spPr>
+          <a:xfrm>
+            <a:off x="2337955" y="3934047"/>
+            <a:ext cx="45719" cy="45719"/>
+          </a:xfrm>
+          <a:prstGeom prst="ellipse">
+            <a:avLst/>
+          </a:prstGeom>
+          <a:solidFill>
+            <a:schemeClr val="tx1"/>
           </a:solidFill>
           <a:ln>
             <a:noFill/>

--- a/journalWallFriction/pictures/pdf/anypolygon3.pptx
+++ b/journalWallFriction/pictures/pdf/anypolygon3.pptx
@@ -243,7 +243,7 @@
           <a:p>
             <a:fld id="{B3D1CF3D-C589-634F-8074-9A077527675E}" type="datetimeFigureOut">
               <a:rPr lang="en-US" smtClean="0"/>
-              <a:t>4/30/18</a:t>
+              <a:t>5/1/18</a:t>
             </a:fld>
             <a:endParaRPr lang="en-US"/>
           </a:p>
@@ -408,7 +408,7 @@
           <a:p>
             <a:fld id="{B3D1CF3D-C589-634F-8074-9A077527675E}" type="datetimeFigureOut">
               <a:rPr lang="en-US" smtClean="0"/>
-              <a:t>4/30/18</a:t>
+              <a:t>5/1/18</a:t>
             </a:fld>
             <a:endParaRPr lang="en-US"/>
           </a:p>
@@ -583,7 +583,7 @@
           <a:p>
             <a:fld id="{B3D1CF3D-C589-634F-8074-9A077527675E}" type="datetimeFigureOut">
               <a:rPr lang="en-US" smtClean="0"/>
-              <a:t>4/30/18</a:t>
+              <a:t>5/1/18</a:t>
             </a:fld>
             <a:endParaRPr lang="en-US"/>
           </a:p>
@@ -748,7 +748,7 @@
           <a:p>
             <a:fld id="{B3D1CF3D-C589-634F-8074-9A077527675E}" type="datetimeFigureOut">
               <a:rPr lang="en-US" smtClean="0"/>
-              <a:t>4/30/18</a:t>
+              <a:t>5/1/18</a:t>
             </a:fld>
             <a:endParaRPr lang="en-US"/>
           </a:p>
@@ -987,7 +987,7 @@
           <a:p>
             <a:fld id="{B3D1CF3D-C589-634F-8074-9A077527675E}" type="datetimeFigureOut">
               <a:rPr lang="en-US" smtClean="0"/>
-              <a:t>4/30/18</a:t>
+              <a:t>5/1/18</a:t>
             </a:fld>
             <a:endParaRPr lang="en-US"/>
           </a:p>
@@ -1214,7 +1214,7 @@
           <a:p>
             <a:fld id="{B3D1CF3D-C589-634F-8074-9A077527675E}" type="datetimeFigureOut">
               <a:rPr lang="en-US" smtClean="0"/>
-              <a:t>4/30/18</a:t>
+              <a:t>5/1/18</a:t>
             </a:fld>
             <a:endParaRPr lang="en-US"/>
           </a:p>
@@ -1576,7 +1576,7 @@
           <a:p>
             <a:fld id="{B3D1CF3D-C589-634F-8074-9A077527675E}" type="datetimeFigureOut">
               <a:rPr lang="en-US" smtClean="0"/>
-              <a:t>4/30/18</a:t>
+              <a:t>5/1/18</a:t>
             </a:fld>
             <a:endParaRPr lang="en-US"/>
           </a:p>
@@ -1689,7 +1689,7 @@
           <a:p>
             <a:fld id="{B3D1CF3D-C589-634F-8074-9A077527675E}" type="datetimeFigureOut">
               <a:rPr lang="en-US" smtClean="0"/>
-              <a:t>4/30/18</a:t>
+              <a:t>5/1/18</a:t>
             </a:fld>
             <a:endParaRPr lang="en-US"/>
           </a:p>
@@ -1779,7 +1779,7 @@
           <a:p>
             <a:fld id="{B3D1CF3D-C589-634F-8074-9A077527675E}" type="datetimeFigureOut">
               <a:rPr lang="en-US" smtClean="0"/>
-              <a:t>4/30/18</a:t>
+              <a:t>5/1/18</a:t>
             </a:fld>
             <a:endParaRPr lang="en-US"/>
           </a:p>
@@ -2051,7 +2051,7 @@
           <a:p>
             <a:fld id="{B3D1CF3D-C589-634F-8074-9A077527675E}" type="datetimeFigureOut">
               <a:rPr lang="en-US" smtClean="0"/>
-              <a:t>4/30/18</a:t>
+              <a:t>5/1/18</a:t>
             </a:fld>
             <a:endParaRPr lang="en-US"/>
           </a:p>
@@ -2303,7 +2303,7 @@
           <a:p>
             <a:fld id="{B3D1CF3D-C589-634F-8074-9A077527675E}" type="datetimeFigureOut">
               <a:rPr lang="en-US" smtClean="0"/>
-              <a:t>4/30/18</a:t>
+              <a:t>5/1/18</a:t>
             </a:fld>
             <a:endParaRPr lang="en-US"/>
           </a:p>
@@ -2511,7 +2511,7 @@
           <a:p>
             <a:fld id="{B3D1CF3D-C589-634F-8074-9A077527675E}" type="datetimeFigureOut">
               <a:rPr lang="en-US" smtClean="0"/>
-              <a:t>4/30/18</a:t>
+              <a:t>5/1/18</a:t>
             </a:fld>
             <a:endParaRPr lang="en-US"/>
           </a:p>
@@ -4980,6 +4980,110 @@
           </a:p>
         </p:txBody>
       </p:sp>
+      <p:sp>
+        <p:nvSpPr>
+          <p:cNvPr id="61" name="TextBox 60">
+            <a:extLst>
+              <a:ext uri="{FF2B5EF4-FFF2-40B4-BE49-F238E27FC236}">
+                <a16:creationId xmlns:a16="http://schemas.microsoft.com/office/drawing/2014/main" id="{9B64BE2A-09DF-494B-BA31-546A0E18ECB5}"/>
+              </a:ext>
+            </a:extLst>
+          </p:cNvPr>
+          <p:cNvSpPr txBox="1"/>
+          <p:nvPr/>
+        </p:nvSpPr>
+        <p:spPr>
+          <a:xfrm>
+            <a:off x="2437766" y="438725"/>
+            <a:ext cx="455579" cy="369332"/>
+          </a:xfrm>
+          <a:prstGeom prst="rect">
+            <a:avLst/>
+          </a:prstGeom>
+          <a:noFill/>
+        </p:spPr>
+        <p:txBody>
+          <a:bodyPr wrap="square" rtlCol="0">
+            <a:spAutoFit/>
+          </a:bodyPr>
+          <a:lstStyle/>
+          <a:p>
+            <a:r>
+              <a:rPr lang="en-US" sz="1800" i="1" dirty="0">
+                <a:latin typeface="Times" charset="0"/>
+                <a:ea typeface="Times" charset="0"/>
+                <a:cs typeface="Times" charset="0"/>
+              </a:rPr>
+              <a:t>l</a:t>
+            </a:r>
+            <a:r>
+              <a:rPr lang="en-US" sz="1800" i="1" baseline="-25000" dirty="0">
+                <a:latin typeface="Times" charset="0"/>
+                <a:ea typeface="Times" charset="0"/>
+                <a:cs typeface="Times" charset="0"/>
+              </a:rPr>
+              <a:t>i</a:t>
+            </a:r>
+            <a:endParaRPr lang="en-US" sz="1800" i="1" dirty="0">
+              <a:latin typeface="Times" charset="0"/>
+              <a:ea typeface="Times" charset="0"/>
+              <a:cs typeface="Times" charset="0"/>
+            </a:endParaRPr>
+          </a:p>
+        </p:txBody>
+      </p:sp>
+      <p:sp>
+        <p:nvSpPr>
+          <p:cNvPr id="62" name="TextBox 61">
+            <a:extLst>
+              <a:ext uri="{FF2B5EF4-FFF2-40B4-BE49-F238E27FC236}">
+                <a16:creationId xmlns:a16="http://schemas.microsoft.com/office/drawing/2014/main" id="{3545B04E-2AD2-DB48-A58B-A23B56AA3973}"/>
+              </a:ext>
+            </a:extLst>
+          </p:cNvPr>
+          <p:cNvSpPr txBox="1"/>
+          <p:nvPr/>
+        </p:nvSpPr>
+        <p:spPr>
+          <a:xfrm>
+            <a:off x="2399845" y="3592028"/>
+            <a:ext cx="642092" cy="369332"/>
+          </a:xfrm>
+          <a:prstGeom prst="rect">
+            <a:avLst/>
+          </a:prstGeom>
+          <a:noFill/>
+        </p:spPr>
+        <p:txBody>
+          <a:bodyPr wrap="square" rtlCol="0">
+            <a:spAutoFit/>
+          </a:bodyPr>
+          <a:lstStyle/>
+          <a:p>
+            <a:r>
+              <a:rPr lang="en-US" sz="1800" i="1" dirty="0">
+                <a:latin typeface="Times" charset="0"/>
+                <a:ea typeface="Times" charset="0"/>
+                <a:cs typeface="Times" charset="0"/>
+              </a:rPr>
+              <a:t>l</a:t>
+            </a:r>
+            <a:r>
+              <a:rPr lang="en-US" sz="1800" i="1" baseline="-25000" dirty="0">
+                <a:latin typeface="Times" charset="0"/>
+                <a:ea typeface="Times" charset="0"/>
+                <a:cs typeface="Times" charset="0"/>
+              </a:rPr>
+              <a:t>i+1</a:t>
+            </a:r>
+            <a:endParaRPr lang="en-US" sz="1800" i="1" dirty="0">
+              <a:latin typeface="Times" charset="0"/>
+              <a:ea typeface="Times" charset="0"/>
+              <a:cs typeface="Times" charset="0"/>
+            </a:endParaRPr>
+          </a:p>
+        </p:txBody>
+      </p:sp>
     </p:spTree>
     <p:extLst>
       <p:ext uri="{BB962C8B-B14F-4D97-AF65-F5344CB8AC3E}">
